--- a/과제/210409 과제/로또 번호 추첨기 - 양화영.pptx
+++ b/과제/210409 과제/로또 번호 추첨기 - 양화영.pptx
@@ -4773,138 +4773,6 @@
           </p:txBody>
         </p:sp>
       </p:grpSp>
-      <p:sp>
-        <p:nvSpPr>
-          <p:cNvPr id="15" name="TextBox 14"/>
-          <p:cNvSpPr txBox="1"/>
-          <p:nvPr/>
-        </p:nvSpPr>
-        <p:spPr>
-          <a:xfrm>
-            <a:off x="8681926" y="3776567"/>
-            <a:ext cx="1805950" cy="369332"/>
-          </a:xfrm>
-          <a:prstGeom prst="rect">
-            <a:avLst/>
-          </a:prstGeom>
-          <a:noFill/>
-        </p:spPr>
-        <p:txBody>
-          <a:bodyPr wrap="square" rtlCol="0">
-            <a:spAutoFit/>
-          </a:bodyPr>
-          <a:lstStyle/>
-          <a:p>
-            <a:r>
-              <a:rPr lang="ko-KR" altLang="en-US" dirty="0">
-                <a:solidFill>
-                  <a:schemeClr val="bg1"/>
-                </a:solidFill>
-              </a:rPr>
-              <a:t>번호 출력 버튼</a:t>
-            </a:r>
-            <a:endParaRPr lang="en-US" altLang="ko-KR" dirty="0">
-              <a:solidFill>
-                <a:schemeClr val="bg1"/>
-              </a:solidFill>
-            </a:endParaRPr>
-          </a:p>
-        </p:txBody>
-      </p:sp>
-      <p:sp>
-        <p:nvSpPr>
-          <p:cNvPr id="40" name="TextBox 39"/>
-          <p:cNvSpPr txBox="1"/>
-          <p:nvPr/>
-        </p:nvSpPr>
-        <p:spPr>
-          <a:xfrm>
-            <a:off x="8681926" y="2527361"/>
-            <a:ext cx="1805950" cy="646331"/>
-          </a:xfrm>
-          <a:prstGeom prst="rect">
-            <a:avLst/>
-          </a:prstGeom>
-          <a:noFill/>
-        </p:spPr>
-        <p:txBody>
-          <a:bodyPr wrap="square" rtlCol="0">
-            <a:spAutoFit/>
-          </a:bodyPr>
-          <a:lstStyle/>
-          <a:p>
-            <a:r>
-              <a:rPr lang="ko-KR" altLang="en-US" dirty="0" smtClean="0">
-                <a:solidFill>
-                  <a:schemeClr val="bg1"/>
-                </a:solidFill>
-              </a:rPr>
-              <a:t>번호 출력</a:t>
-            </a:r>
-            <a:endParaRPr lang="en-US" altLang="ko-KR" dirty="0" smtClean="0">
-              <a:solidFill>
-                <a:schemeClr val="bg1"/>
-              </a:solidFill>
-            </a:endParaRPr>
-          </a:p>
-          <a:p>
-            <a:r>
-              <a:rPr lang="ko-KR" altLang="en-US" dirty="0" smtClean="0">
-                <a:solidFill>
-                  <a:schemeClr val="bg1"/>
-                </a:solidFill>
-              </a:rPr>
-              <a:t>텍스트 박스</a:t>
-            </a:r>
-            <a:endParaRPr lang="en-US" altLang="ko-KR" dirty="0" smtClean="0">
-              <a:solidFill>
-                <a:schemeClr val="bg1"/>
-              </a:solidFill>
-            </a:endParaRPr>
-          </a:p>
-        </p:txBody>
-      </p:sp>
-      <p:sp>
-        <p:nvSpPr>
-          <p:cNvPr id="57" name="TextBox 56"/>
-          <p:cNvSpPr txBox="1"/>
-          <p:nvPr/>
-        </p:nvSpPr>
-        <p:spPr>
-          <a:xfrm>
-            <a:off x="8680937" y="1625922"/>
-            <a:ext cx="1805950" cy="369332"/>
-          </a:xfrm>
-          <a:prstGeom prst="rect">
-            <a:avLst/>
-          </a:prstGeom>
-          <a:noFill/>
-        </p:spPr>
-        <p:txBody>
-          <a:bodyPr wrap="square" rtlCol="0">
-            <a:spAutoFit/>
-          </a:bodyPr>
-          <a:lstStyle/>
-          <a:p>
-            <a:r>
-              <a:rPr lang="ko-KR" altLang="en-US" dirty="0" smtClean="0">
-                <a:solidFill>
-                  <a:schemeClr val="bg1"/>
-                </a:solidFill>
-              </a:rPr>
-              <a:t>이미지</a:t>
-            </a:r>
-            <a:r>
-              <a:rPr lang="en-US" altLang="ko-KR" dirty="0" smtClean="0">
-                <a:solidFill>
-                  <a:schemeClr val="bg1"/>
-                </a:solidFill>
-              </a:rPr>
-              <a:t>(jpg)</a:t>
-            </a:r>
-          </a:p>
-        </p:txBody>
-      </p:sp>
       <p:pic>
         <p:nvPicPr>
           <p:cNvPr id="29" name="그림 28"/>
@@ -4927,7 +4795,7 @@
         </p:blipFill>
         <p:spPr>
           <a:xfrm>
-            <a:off x="871200" y="1299600"/>
+            <a:off x="871200" y="1545488"/>
             <a:ext cx="6494400" cy="4226400"/>
           </a:xfrm>
           <a:prstGeom prst="rect">
@@ -4943,7 +4811,7 @@
         </p:nvSpPr>
         <p:spPr>
           <a:xfrm>
-            <a:off x="3327187" y="4864776"/>
+            <a:off x="3327187" y="5110664"/>
             <a:ext cx="1590595" cy="552468"/>
           </a:xfrm>
           <a:prstGeom prst="roundRect">
@@ -4997,8 +4865,8 @@
         </p:nvCxnSpPr>
         <p:spPr>
           <a:xfrm flipV="1">
-            <a:off x="4917782" y="2850525"/>
-            <a:ext cx="3353506" cy="2290485"/>
+            <a:off x="4917782" y="3166850"/>
+            <a:ext cx="3257514" cy="2220048"/>
           </a:xfrm>
           <a:prstGeom prst="line">
             <a:avLst/>
@@ -5024,56 +4892,19 @@
           </a:fontRef>
         </p:style>
       </p:cxnSp>
-      <p:sp>
-        <p:nvSpPr>
-          <p:cNvPr id="44" name="TextBox 43"/>
-          <p:cNvSpPr txBox="1"/>
-          <p:nvPr/>
-        </p:nvSpPr>
-        <p:spPr>
-          <a:xfrm>
-            <a:off x="8681925" y="4806114"/>
-            <a:ext cx="1805950" cy="369332"/>
-          </a:xfrm>
-          <a:prstGeom prst="rect">
-            <a:avLst/>
-          </a:prstGeom>
-          <a:noFill/>
-        </p:spPr>
-        <p:txBody>
-          <a:bodyPr wrap="square" rtlCol="0">
-            <a:spAutoFit/>
-          </a:bodyPr>
-          <a:lstStyle/>
-          <a:p>
-            <a:r>
-              <a:rPr lang="ko-KR" altLang="en-US" dirty="0" smtClean="0">
-                <a:solidFill>
-                  <a:schemeClr val="bg1"/>
-                </a:solidFill>
-              </a:rPr>
-              <a:t>조회 화면 연결</a:t>
-            </a:r>
-            <a:endParaRPr lang="en-US" altLang="ko-KR" dirty="0">
-              <a:solidFill>
-                <a:schemeClr val="bg1"/>
-              </a:solidFill>
-            </a:endParaRPr>
-          </a:p>
-        </p:txBody>
-      </p:sp>
       <p:cxnSp>
         <p:nvCxnSpPr>
           <p:cNvPr id="46" name="직선 연결선 45"/>
           <p:cNvCxnSpPr>
             <a:stCxn id="33" idx="3"/>
+            <a:endCxn id="4" idx="1"/>
           </p:cNvCxnSpPr>
           <p:nvPr/>
         </p:nvCxnSpPr>
         <p:spPr>
           <a:xfrm flipV="1">
-            <a:off x="7156528" y="5089242"/>
-            <a:ext cx="1114760" cy="98462"/>
+            <a:off x="7156528" y="5346806"/>
+            <a:ext cx="991779" cy="86786"/>
           </a:xfrm>
           <a:prstGeom prst="line">
             <a:avLst/>
@@ -5107,7 +4938,7 @@
         </p:nvSpPr>
         <p:spPr>
           <a:xfrm>
-            <a:off x="6591854" y="4965848"/>
+            <a:off x="6591854" y="5211736"/>
             <a:ext cx="564674" cy="443712"/>
           </a:xfrm>
           <a:prstGeom prst="roundRect">
@@ -5172,7 +5003,7 @@
         </p:blipFill>
         <p:spPr>
           <a:xfrm>
-            <a:off x="8271288" y="1217373"/>
+            <a:off x="8175296" y="1533698"/>
             <a:ext cx="3154414" cy="3266303"/>
           </a:xfrm>
           <a:prstGeom prst="rect">
@@ -5202,7 +5033,7 @@
         </p:blipFill>
         <p:spPr>
           <a:xfrm>
-            <a:off x="8271288" y="4784591"/>
+            <a:off x="8148307" y="5030479"/>
             <a:ext cx="3203755" cy="632653"/>
           </a:xfrm>
           <a:prstGeom prst="rect">
@@ -5389,7 +5220,7 @@
         </p:nvSpPr>
         <p:spPr>
           <a:xfrm>
-            <a:off x="449943" y="986089"/>
+            <a:off x="450655" y="986971"/>
             <a:ext cx="11327709" cy="5689600"/>
           </a:xfrm>
           <a:prstGeom prst="rect">
@@ -5836,120 +5667,6 @@
           </p:txBody>
         </p:sp>
       </p:grpSp>
-      <p:sp>
-        <p:nvSpPr>
-          <p:cNvPr id="40" name="TextBox 39"/>
-          <p:cNvSpPr txBox="1"/>
-          <p:nvPr/>
-        </p:nvSpPr>
-        <p:spPr>
-          <a:xfrm>
-            <a:off x="8688619" y="3157637"/>
-            <a:ext cx="1805950" cy="369332"/>
-          </a:xfrm>
-          <a:prstGeom prst="rect">
-            <a:avLst/>
-          </a:prstGeom>
-          <a:noFill/>
-        </p:spPr>
-        <p:txBody>
-          <a:bodyPr wrap="square" rtlCol="0">
-            <a:spAutoFit/>
-          </a:bodyPr>
-          <a:lstStyle/>
-          <a:p>
-            <a:r>
-              <a:rPr lang="ko-KR" altLang="en-US" dirty="0" smtClean="0">
-                <a:solidFill>
-                  <a:schemeClr val="bg1"/>
-                </a:solidFill>
-              </a:rPr>
-              <a:t>엑셀 시트</a:t>
-            </a:r>
-            <a:endParaRPr lang="en-US" altLang="ko-KR" dirty="0" smtClean="0">
-              <a:solidFill>
-                <a:schemeClr val="bg1"/>
-              </a:solidFill>
-            </a:endParaRPr>
-          </a:p>
-        </p:txBody>
-      </p:sp>
-      <p:sp>
-        <p:nvSpPr>
-          <p:cNvPr id="57" name="TextBox 56"/>
-          <p:cNvSpPr txBox="1"/>
-          <p:nvPr/>
-        </p:nvSpPr>
-        <p:spPr>
-          <a:xfrm>
-            <a:off x="8687630" y="2117698"/>
-            <a:ext cx="1805950" cy="369332"/>
-          </a:xfrm>
-          <a:prstGeom prst="rect">
-            <a:avLst/>
-          </a:prstGeom>
-          <a:noFill/>
-        </p:spPr>
-        <p:txBody>
-          <a:bodyPr wrap="square" rtlCol="0">
-            <a:spAutoFit/>
-          </a:bodyPr>
-          <a:lstStyle/>
-          <a:p>
-            <a:r>
-              <a:rPr lang="ko-KR" altLang="en-US" dirty="0" smtClean="0">
-                <a:solidFill>
-                  <a:schemeClr val="bg1"/>
-                </a:solidFill>
-              </a:rPr>
-              <a:t>엑셀 불러오기</a:t>
-            </a:r>
-            <a:endParaRPr lang="en-US" altLang="ko-KR" dirty="0" smtClean="0">
-              <a:solidFill>
-                <a:schemeClr val="bg1"/>
-              </a:solidFill>
-            </a:endParaRPr>
-          </a:p>
-        </p:txBody>
-      </p:sp>
-      <p:sp>
-        <p:nvSpPr>
-          <p:cNvPr id="44" name="TextBox 43"/>
-          <p:cNvSpPr txBox="1"/>
-          <p:nvPr/>
-        </p:nvSpPr>
-        <p:spPr>
-          <a:xfrm>
-            <a:off x="8681925" y="4829166"/>
-            <a:ext cx="1805950" cy="369332"/>
-          </a:xfrm>
-          <a:prstGeom prst="rect">
-            <a:avLst/>
-          </a:prstGeom>
-          <a:noFill/>
-        </p:spPr>
-        <p:txBody>
-          <a:bodyPr wrap="square" rtlCol="0">
-            <a:spAutoFit/>
-          </a:bodyPr>
-          <a:lstStyle/>
-          <a:p>
-            <a:r>
-              <a:rPr lang="ko-KR" altLang="en-US" dirty="0" smtClean="0">
-                <a:solidFill>
-                  <a:schemeClr val="bg1"/>
-                </a:solidFill>
-              </a:rPr>
-              <a:t>조회 화면 연결</a:t>
-            </a:r>
-            <a:endParaRPr lang="en-US" altLang="ko-KR" dirty="0">
-              <a:solidFill>
-                <a:schemeClr val="bg1"/>
-              </a:solidFill>
-            </a:endParaRPr>
-          </a:p>
-        </p:txBody>
-      </p:sp>
       <p:pic>
         <p:nvPicPr>
           <p:cNvPr id="2" name="그림 1"/>
@@ -5972,7 +5689,7 @@
         </p:blipFill>
         <p:spPr>
           <a:xfrm>
-            <a:off x="871200" y="1299600"/>
+            <a:off x="748256" y="1476332"/>
             <a:ext cx="6494400" cy="4140498"/>
           </a:xfrm>
           <a:prstGeom prst="rect">
@@ -5988,7 +5705,7 @@
         </p:nvSpPr>
         <p:spPr>
           <a:xfrm>
-            <a:off x="3173505" y="1553169"/>
+            <a:off x="3050561" y="1729901"/>
             <a:ext cx="776088" cy="407255"/>
           </a:xfrm>
           <a:prstGeom prst="roundRect">
@@ -6036,13 +5753,14 @@
           <p:cNvPr id="5" name="직선 연결선 4"/>
           <p:cNvCxnSpPr>
             <a:stCxn id="3" idx="3"/>
+            <a:endCxn id="4" idx="1"/>
           </p:cNvCxnSpPr>
           <p:nvPr/>
         </p:nvCxnSpPr>
         <p:spPr>
           <a:xfrm>
-            <a:off x="3949593" y="1756797"/>
-            <a:ext cx="4041110" cy="954826"/>
+            <a:off x="3826649" y="1933529"/>
+            <a:ext cx="3981716" cy="965891"/>
           </a:xfrm>
           <a:prstGeom prst="line">
             <a:avLst/>
@@ -6076,7 +5794,7 @@
         </p:nvSpPr>
         <p:spPr>
           <a:xfrm>
-            <a:off x="6577533" y="4867587"/>
+            <a:off x="6454589" y="5044319"/>
             <a:ext cx="476410" cy="369332"/>
           </a:xfrm>
           <a:prstGeom prst="roundRect">
@@ -6130,8 +5848,8 @@
         </p:nvCxnSpPr>
         <p:spPr>
           <a:xfrm flipV="1">
-            <a:off x="7053943" y="4787527"/>
-            <a:ext cx="936760" cy="264726"/>
+            <a:off x="6930999" y="4963513"/>
+            <a:ext cx="992575" cy="265472"/>
           </a:xfrm>
           <a:prstGeom prst="line">
             <a:avLst/>
@@ -6157,62 +5875,6 @@
           </a:fontRef>
         </p:style>
       </p:cxnSp>
-      <p:sp>
-        <p:nvSpPr>
-          <p:cNvPr id="49" name="TextBox 48"/>
-          <p:cNvSpPr txBox="1"/>
-          <p:nvPr/>
-        </p:nvSpPr>
-        <p:spPr>
-          <a:xfrm>
-            <a:off x="8681925" y="4141197"/>
-            <a:ext cx="1805950" cy="646331"/>
-          </a:xfrm>
-          <a:prstGeom prst="rect">
-            <a:avLst/>
-          </a:prstGeom>
-          <a:noFill/>
-        </p:spPr>
-        <p:txBody>
-          <a:bodyPr wrap="square" rtlCol="0">
-            <a:spAutoFit/>
-          </a:bodyPr>
-          <a:lstStyle/>
-          <a:p>
-            <a:r>
-              <a:rPr lang="ko-KR" altLang="en-US" dirty="0" smtClean="0">
-                <a:solidFill>
-                  <a:schemeClr val="bg1"/>
-                </a:solidFill>
-              </a:rPr>
-              <a:t>메시지 박스</a:t>
-            </a:r>
-            <a:r>
-              <a:rPr lang="en-US" altLang="ko-KR" dirty="0" smtClean="0">
-                <a:solidFill>
-                  <a:schemeClr val="bg1"/>
-                </a:solidFill>
-              </a:rPr>
-              <a:t>,</a:t>
-            </a:r>
-          </a:p>
-          <a:p>
-            <a:r>
-              <a:rPr lang="ko-KR" altLang="en-US" dirty="0" smtClean="0">
-                <a:solidFill>
-                  <a:schemeClr val="bg1"/>
-                </a:solidFill>
-              </a:rPr>
-              <a:t>링크 연결</a:t>
-            </a:r>
-            <a:endParaRPr lang="en-US" altLang="ko-KR" dirty="0" smtClean="0">
-              <a:solidFill>
-                <a:schemeClr val="bg1"/>
-              </a:solidFill>
-            </a:endParaRPr>
-          </a:p>
-        </p:txBody>
-      </p:sp>
       <p:pic>
         <p:nvPicPr>
           <p:cNvPr id="4" name="그림 3"/>
@@ -6235,7 +5897,7 @@
         </p:blipFill>
         <p:spPr>
           <a:xfrm>
-            <a:off x="7990703" y="1553169"/>
+            <a:off x="7808365" y="1645377"/>
             <a:ext cx="3636554" cy="2508085"/>
           </a:xfrm>
           <a:prstGeom prst="rect">
@@ -6265,7 +5927,7 @@
         </p:blipFill>
         <p:spPr>
           <a:xfrm>
-            <a:off x="7990703" y="4447705"/>
+            <a:off x="7923574" y="4623691"/>
             <a:ext cx="3521345" cy="679643"/>
           </a:xfrm>
           <a:prstGeom prst="rect">
@@ -7015,6 +6677,144 @@
           </a:prstGeom>
         </p:spPr>
       </p:pic>
+      <p:sp>
+        <p:nvSpPr>
+          <p:cNvPr id="2" name="모서리가 둥근 직사각형 1"/>
+          <p:cNvSpPr/>
+          <p:nvPr/>
+        </p:nvSpPr>
+        <p:spPr>
+          <a:xfrm>
+            <a:off x="6577532" y="4472108"/>
+            <a:ext cx="717308" cy="607038"/>
+          </a:xfrm>
+          <a:prstGeom prst="roundRect">
+            <a:avLst/>
+          </a:prstGeom>
+          <a:noFill/>
+          <a:ln>
+            <a:solidFill>
+              <a:srgbClr val="FF6600"/>
+            </a:solidFill>
+          </a:ln>
+        </p:spPr>
+        <p:style>
+          <a:lnRef idx="2">
+            <a:schemeClr val="accent1">
+              <a:shade val="50000"/>
+            </a:schemeClr>
+          </a:lnRef>
+          <a:fillRef idx="1">
+            <a:schemeClr val="accent1"/>
+          </a:fillRef>
+          <a:effectRef idx="0">
+            <a:schemeClr val="accent1"/>
+          </a:effectRef>
+          <a:fontRef idx="minor">
+            <a:schemeClr val="lt1"/>
+          </a:fontRef>
+        </p:style>
+        <p:txBody>
+          <a:bodyPr rtlCol="0" anchor="ctr"/>
+          <a:lstStyle/>
+          <a:p>
+            <a:pPr algn="ctr"/>
+            <a:endParaRPr lang="ko-KR" altLang="en-US"/>
+          </a:p>
+        </p:txBody>
+      </p:sp>
+      <p:sp>
+        <p:nvSpPr>
+          <p:cNvPr id="5" name="모서리가 둥근 직사각형 4"/>
+          <p:cNvSpPr/>
+          <p:nvPr/>
+        </p:nvSpPr>
+        <p:spPr>
+          <a:xfrm>
+            <a:off x="9097896" y="3065929"/>
+            <a:ext cx="1612656" cy="829876"/>
+          </a:xfrm>
+          <a:prstGeom prst="roundRect">
+            <a:avLst/>
+          </a:prstGeom>
+          <a:noFill/>
+          <a:ln>
+            <a:solidFill>
+              <a:srgbClr val="FF6600"/>
+            </a:solidFill>
+          </a:ln>
+        </p:spPr>
+        <p:style>
+          <a:lnRef idx="2">
+            <a:schemeClr val="accent1">
+              <a:shade val="50000"/>
+            </a:schemeClr>
+          </a:lnRef>
+          <a:fillRef idx="1">
+            <a:schemeClr val="accent1"/>
+          </a:fillRef>
+          <a:effectRef idx="0">
+            <a:schemeClr val="accent1"/>
+          </a:effectRef>
+          <a:fontRef idx="minor">
+            <a:schemeClr val="lt1"/>
+          </a:fontRef>
+        </p:style>
+        <p:txBody>
+          <a:bodyPr rtlCol="0" anchor="ctr"/>
+          <a:lstStyle/>
+          <a:p>
+            <a:pPr algn="ctr"/>
+            <a:endParaRPr lang="ko-KR" altLang="en-US"/>
+          </a:p>
+        </p:txBody>
+      </p:sp>
+      <p:sp>
+        <p:nvSpPr>
+          <p:cNvPr id="13" name="오른쪽 화살표 12"/>
+          <p:cNvSpPr/>
+          <p:nvPr/>
+        </p:nvSpPr>
+        <p:spPr>
+          <a:xfrm>
+            <a:off x="5701553" y="3096666"/>
+            <a:ext cx="783771" cy="599354"/>
+          </a:xfrm>
+          <a:prstGeom prst="rightArrow">
+            <a:avLst/>
+          </a:prstGeom>
+          <a:solidFill>
+            <a:srgbClr val="FF6600"/>
+          </a:solidFill>
+          <a:ln>
+            <a:noFill/>
+          </a:ln>
+        </p:spPr>
+        <p:style>
+          <a:lnRef idx="2">
+            <a:schemeClr val="accent1">
+              <a:shade val="50000"/>
+            </a:schemeClr>
+          </a:lnRef>
+          <a:fillRef idx="1">
+            <a:schemeClr val="accent1"/>
+          </a:fillRef>
+          <a:effectRef idx="0">
+            <a:schemeClr val="accent1"/>
+          </a:effectRef>
+          <a:fontRef idx="minor">
+            <a:schemeClr val="lt1"/>
+          </a:fontRef>
+        </p:style>
+        <p:txBody>
+          <a:bodyPr rtlCol="0" anchor="ctr"/>
+          <a:lstStyle/>
+          <a:p>
+            <a:pPr algn="ctr"/>
+            <a:endParaRPr lang="ko-KR" altLang="en-US"/>
+          </a:p>
+        </p:txBody>
+      </p:sp>
     </p:spTree>
     <p:extLst>
       <p:ext uri="{BB962C8B-B14F-4D97-AF65-F5344CB8AC3E}">
@@ -7639,8 +7439,8 @@
         </p:blipFill>
         <p:spPr>
           <a:xfrm>
-            <a:off x="800707" y="1792567"/>
-            <a:ext cx="5112747" cy="3290179"/>
+            <a:off x="700816" y="2336647"/>
+            <a:ext cx="3225725" cy="2232082"/>
           </a:xfrm>
           <a:prstGeom prst="rect">
             <a:avLst/>
@@ -7669,14 +7469,274 @@
         </p:blipFill>
         <p:spPr>
           <a:xfrm>
-            <a:off x="6293422" y="1792567"/>
-            <a:ext cx="5159855" cy="3281667"/>
+            <a:off x="4642760" y="2336646"/>
+            <a:ext cx="3097790" cy="2231531"/>
           </a:xfrm>
           <a:prstGeom prst="rect">
             <a:avLst/>
           </a:prstGeom>
         </p:spPr>
       </p:pic>
+      <p:sp>
+        <p:nvSpPr>
+          <p:cNvPr id="3" name="모서리가 둥근 직사각형 2"/>
+          <p:cNvSpPr/>
+          <p:nvPr/>
+        </p:nvSpPr>
+        <p:spPr>
+          <a:xfrm>
+            <a:off x="5823353" y="4223244"/>
+            <a:ext cx="714265" cy="305463"/>
+          </a:xfrm>
+          <a:prstGeom prst="roundRect">
+            <a:avLst/>
+          </a:prstGeom>
+          <a:noFill/>
+          <a:ln>
+            <a:solidFill>
+              <a:srgbClr val="FF6600"/>
+            </a:solidFill>
+          </a:ln>
+        </p:spPr>
+        <p:style>
+          <a:lnRef idx="2">
+            <a:schemeClr val="accent1">
+              <a:shade val="50000"/>
+            </a:schemeClr>
+          </a:lnRef>
+          <a:fillRef idx="1">
+            <a:schemeClr val="accent1"/>
+          </a:fillRef>
+          <a:effectRef idx="0">
+            <a:schemeClr val="accent1"/>
+          </a:effectRef>
+          <a:fontRef idx="minor">
+            <a:schemeClr val="lt1"/>
+          </a:fontRef>
+        </p:style>
+        <p:txBody>
+          <a:bodyPr rtlCol="0" anchor="ctr"/>
+          <a:lstStyle/>
+          <a:p>
+            <a:pPr algn="ctr"/>
+            <a:endParaRPr lang="ko-KR" altLang="en-US"/>
+          </a:p>
+        </p:txBody>
+      </p:sp>
+      <p:sp>
+        <p:nvSpPr>
+          <p:cNvPr id="19" name="오른쪽 화살표 18"/>
+          <p:cNvSpPr/>
+          <p:nvPr/>
+        </p:nvSpPr>
+        <p:spPr>
+          <a:xfrm>
+            <a:off x="4011065" y="3340264"/>
+            <a:ext cx="553251" cy="487203"/>
+          </a:xfrm>
+          <a:prstGeom prst="rightArrow">
+            <a:avLst/>
+          </a:prstGeom>
+          <a:solidFill>
+            <a:srgbClr val="FF6600"/>
+          </a:solidFill>
+          <a:ln>
+            <a:noFill/>
+          </a:ln>
+        </p:spPr>
+        <p:style>
+          <a:lnRef idx="2">
+            <a:schemeClr val="accent1">
+              <a:shade val="50000"/>
+            </a:schemeClr>
+          </a:lnRef>
+          <a:fillRef idx="1">
+            <a:schemeClr val="accent1"/>
+          </a:fillRef>
+          <a:effectRef idx="0">
+            <a:schemeClr val="accent1"/>
+          </a:effectRef>
+          <a:fontRef idx="minor">
+            <a:schemeClr val="lt1"/>
+          </a:fontRef>
+        </p:style>
+        <p:txBody>
+          <a:bodyPr rtlCol="0" anchor="ctr"/>
+          <a:lstStyle/>
+          <a:p>
+            <a:pPr algn="ctr"/>
+            <a:endParaRPr lang="ko-KR" altLang="en-US"/>
+          </a:p>
+        </p:txBody>
+      </p:sp>
+      <p:sp>
+        <p:nvSpPr>
+          <p:cNvPr id="21" name="모서리가 둥근 직사각형 20"/>
+          <p:cNvSpPr/>
+          <p:nvPr/>
+        </p:nvSpPr>
+        <p:spPr>
+          <a:xfrm>
+            <a:off x="6385435" y="2697021"/>
+            <a:ext cx="1045026" cy="1523346"/>
+          </a:xfrm>
+          <a:prstGeom prst="roundRect">
+            <a:avLst/>
+          </a:prstGeom>
+          <a:noFill/>
+          <a:ln>
+            <a:solidFill>
+              <a:srgbClr val="FF6600"/>
+            </a:solidFill>
+          </a:ln>
+        </p:spPr>
+        <p:style>
+          <a:lnRef idx="2">
+            <a:schemeClr val="accent1">
+              <a:shade val="50000"/>
+            </a:schemeClr>
+          </a:lnRef>
+          <a:fillRef idx="1">
+            <a:schemeClr val="accent1"/>
+          </a:fillRef>
+          <a:effectRef idx="0">
+            <a:schemeClr val="accent1"/>
+          </a:effectRef>
+          <a:fontRef idx="minor">
+            <a:schemeClr val="lt1"/>
+          </a:fontRef>
+        </p:style>
+        <p:txBody>
+          <a:bodyPr rtlCol="0" anchor="ctr"/>
+          <a:lstStyle/>
+          <a:p>
+            <a:pPr algn="ctr"/>
+            <a:endParaRPr lang="ko-KR" altLang="en-US"/>
+          </a:p>
+        </p:txBody>
+      </p:sp>
+      <p:pic>
+        <p:nvPicPr>
+          <p:cNvPr id="22" name="그림 21"/>
+          <p:cNvPicPr>
+            <a:picLocks noChangeAspect="1"/>
+          </p:cNvPicPr>
+          <p:nvPr/>
+        </p:nvPicPr>
+        <p:blipFill>
+          <a:blip r:embed="rId3">
+            <a:extLst>
+              <a:ext uri="{28A0092B-C50C-407E-A947-70E740481C1C}">
+                <a14:useLocalDpi xmlns:a14="http://schemas.microsoft.com/office/drawing/2010/main" val="0"/>
+              </a:ext>
+            </a:extLst>
+          </a:blip>
+          <a:stretch>
+            <a:fillRect/>
+          </a:stretch>
+        </p:blipFill>
+        <p:spPr>
+          <a:xfrm>
+            <a:off x="8431764" y="2340487"/>
+            <a:ext cx="3098441" cy="2232000"/>
+          </a:xfrm>
+          <a:prstGeom prst="rect">
+            <a:avLst/>
+          </a:prstGeom>
+        </p:spPr>
+      </p:pic>
+      <p:sp>
+        <p:nvSpPr>
+          <p:cNvPr id="23" name="오른쪽 화살표 22"/>
+          <p:cNvSpPr/>
+          <p:nvPr/>
+        </p:nvSpPr>
+        <p:spPr>
+          <a:xfrm>
+            <a:off x="7813381" y="3340265"/>
+            <a:ext cx="553251" cy="487203"/>
+          </a:xfrm>
+          <a:prstGeom prst="rightArrow">
+            <a:avLst/>
+          </a:prstGeom>
+          <a:solidFill>
+            <a:srgbClr val="FF6600"/>
+          </a:solidFill>
+          <a:ln>
+            <a:noFill/>
+          </a:ln>
+        </p:spPr>
+        <p:style>
+          <a:lnRef idx="2">
+            <a:schemeClr val="accent1">
+              <a:shade val="50000"/>
+            </a:schemeClr>
+          </a:lnRef>
+          <a:fillRef idx="1">
+            <a:schemeClr val="accent1"/>
+          </a:fillRef>
+          <a:effectRef idx="0">
+            <a:schemeClr val="accent1"/>
+          </a:effectRef>
+          <a:fontRef idx="minor">
+            <a:schemeClr val="lt1"/>
+          </a:fontRef>
+        </p:style>
+        <p:txBody>
+          <a:bodyPr rtlCol="0" anchor="ctr"/>
+          <a:lstStyle/>
+          <a:p>
+            <a:pPr algn="ctr"/>
+            <a:endParaRPr lang="ko-KR" altLang="en-US"/>
+          </a:p>
+        </p:txBody>
+      </p:sp>
+      <p:sp>
+        <p:nvSpPr>
+          <p:cNvPr id="14" name="모서리가 둥근 직사각형 13"/>
+          <p:cNvSpPr/>
+          <p:nvPr/>
+        </p:nvSpPr>
+        <p:spPr>
+          <a:xfrm>
+            <a:off x="11126144" y="4248556"/>
+            <a:ext cx="357957" cy="296569"/>
+          </a:xfrm>
+          <a:prstGeom prst="roundRect">
+            <a:avLst/>
+          </a:prstGeom>
+          <a:noFill/>
+          <a:ln>
+            <a:solidFill>
+              <a:srgbClr val="FF6600"/>
+            </a:solidFill>
+          </a:ln>
+        </p:spPr>
+        <p:style>
+          <a:lnRef idx="2">
+            <a:schemeClr val="accent1">
+              <a:shade val="50000"/>
+            </a:schemeClr>
+          </a:lnRef>
+          <a:fillRef idx="1">
+            <a:schemeClr val="accent1"/>
+          </a:fillRef>
+          <a:effectRef idx="0">
+            <a:schemeClr val="accent1"/>
+          </a:effectRef>
+          <a:fontRef idx="minor">
+            <a:schemeClr val="lt1"/>
+          </a:fontRef>
+        </p:style>
+        <p:txBody>
+          <a:bodyPr rtlCol="0" anchor="ctr"/>
+          <a:lstStyle/>
+          <a:p>
+            <a:pPr algn="ctr"/>
+            <a:endParaRPr lang="ko-KR" altLang="en-US"/>
+          </a:p>
+        </p:txBody>
+      </p:sp>
     </p:spTree>
     <p:extLst>
       <p:ext uri="{BB962C8B-B14F-4D97-AF65-F5344CB8AC3E}">
@@ -8301,7 +8361,7 @@
         </p:blipFill>
         <p:spPr>
           <a:xfrm>
-            <a:off x="1826712" y="1659758"/>
+            <a:off x="1826712" y="1360081"/>
             <a:ext cx="3306980" cy="1935583"/>
           </a:xfrm>
           <a:prstGeom prst="rect">
@@ -8331,7 +8391,7 @@
         </p:blipFill>
         <p:spPr>
           <a:xfrm>
-            <a:off x="7063901" y="1626011"/>
+            <a:off x="7063901" y="1326334"/>
             <a:ext cx="3048001" cy="1953008"/>
           </a:xfrm>
           <a:prstGeom prst="rect">
@@ -8361,8 +8421,8 @@
         </p:blipFill>
         <p:spPr>
           <a:xfrm>
-            <a:off x="800707" y="4058129"/>
-            <a:ext cx="3594431" cy="2046117"/>
+            <a:off x="708500" y="3864547"/>
+            <a:ext cx="3210358" cy="2046117"/>
           </a:xfrm>
           <a:prstGeom prst="rect">
             <a:avLst/>
@@ -8391,8 +8451,8 @@
         </p:blipFill>
         <p:spPr>
           <a:xfrm>
-            <a:off x="4688849" y="4093738"/>
-            <a:ext cx="3273959" cy="2088184"/>
+            <a:off x="4496750" y="3900156"/>
+            <a:ext cx="3187284" cy="2010508"/>
           </a:xfrm>
           <a:prstGeom prst="rect">
             <a:avLst/>
@@ -8421,14 +8481,474 @@
         </p:blipFill>
         <p:spPr>
           <a:xfrm>
-            <a:off x="8368669" y="4132576"/>
-            <a:ext cx="3146699" cy="2010508"/>
+            <a:off x="8298755" y="3923627"/>
+            <a:ext cx="3211927" cy="1987038"/>
           </a:xfrm>
           <a:prstGeom prst="rect">
             <a:avLst/>
           </a:prstGeom>
         </p:spPr>
       </p:pic>
+      <p:sp>
+        <p:nvSpPr>
+          <p:cNvPr id="19" name="모서리가 둥근 직사각형 18"/>
+          <p:cNvSpPr/>
+          <p:nvPr/>
+        </p:nvSpPr>
+        <p:spPr>
+          <a:xfrm>
+            <a:off x="8073070" y="1384904"/>
+            <a:ext cx="491779" cy="313745"/>
+          </a:xfrm>
+          <a:prstGeom prst="roundRect">
+            <a:avLst/>
+          </a:prstGeom>
+          <a:noFill/>
+          <a:ln>
+            <a:solidFill>
+              <a:srgbClr val="FF6600"/>
+            </a:solidFill>
+          </a:ln>
+        </p:spPr>
+        <p:style>
+          <a:lnRef idx="2">
+            <a:schemeClr val="accent1">
+              <a:shade val="50000"/>
+            </a:schemeClr>
+          </a:lnRef>
+          <a:fillRef idx="1">
+            <a:schemeClr val="accent1"/>
+          </a:fillRef>
+          <a:effectRef idx="0">
+            <a:schemeClr val="accent1"/>
+          </a:effectRef>
+          <a:fontRef idx="minor">
+            <a:schemeClr val="lt1"/>
+          </a:fontRef>
+        </p:style>
+        <p:txBody>
+          <a:bodyPr rtlCol="0" anchor="ctr"/>
+          <a:lstStyle/>
+          <a:p>
+            <a:pPr algn="ctr"/>
+            <a:endParaRPr lang="ko-KR" altLang="en-US"/>
+          </a:p>
+        </p:txBody>
+      </p:sp>
+      <p:sp>
+        <p:nvSpPr>
+          <p:cNvPr id="20" name="오른쪽 화살표 19"/>
+          <p:cNvSpPr/>
+          <p:nvPr/>
+        </p:nvSpPr>
+        <p:spPr>
+          <a:xfrm>
+            <a:off x="5721911" y="2003161"/>
+            <a:ext cx="783771" cy="599354"/>
+          </a:xfrm>
+          <a:prstGeom prst="rightArrow">
+            <a:avLst/>
+          </a:prstGeom>
+          <a:solidFill>
+            <a:srgbClr val="FF6600"/>
+          </a:solidFill>
+          <a:ln>
+            <a:noFill/>
+          </a:ln>
+        </p:spPr>
+        <p:style>
+          <a:lnRef idx="2">
+            <a:schemeClr val="accent1">
+              <a:shade val="50000"/>
+            </a:schemeClr>
+          </a:lnRef>
+          <a:fillRef idx="1">
+            <a:schemeClr val="accent1"/>
+          </a:fillRef>
+          <a:effectRef idx="0">
+            <a:schemeClr val="accent1"/>
+          </a:effectRef>
+          <a:fontRef idx="minor">
+            <a:schemeClr val="lt1"/>
+          </a:fontRef>
+        </p:style>
+        <p:txBody>
+          <a:bodyPr rtlCol="0" anchor="ctr"/>
+          <a:lstStyle/>
+          <a:p>
+            <a:pPr algn="ctr"/>
+            <a:endParaRPr lang="ko-KR" altLang="en-US"/>
+          </a:p>
+        </p:txBody>
+      </p:sp>
+      <p:sp>
+        <p:nvSpPr>
+          <p:cNvPr id="21" name="오른쪽 화살표 20"/>
+          <p:cNvSpPr/>
+          <p:nvPr/>
+        </p:nvSpPr>
+        <p:spPr>
+          <a:xfrm rot="9767100">
+            <a:off x="5168426" y="2953911"/>
+            <a:ext cx="1722705" cy="599354"/>
+          </a:xfrm>
+          <a:prstGeom prst="rightArrow">
+            <a:avLst/>
+          </a:prstGeom>
+          <a:solidFill>
+            <a:srgbClr val="FF6600"/>
+          </a:solidFill>
+          <a:ln>
+            <a:noFill/>
+          </a:ln>
+        </p:spPr>
+        <p:style>
+          <a:lnRef idx="2">
+            <a:schemeClr val="accent1">
+              <a:shade val="50000"/>
+            </a:schemeClr>
+          </a:lnRef>
+          <a:fillRef idx="1">
+            <a:schemeClr val="accent1"/>
+          </a:fillRef>
+          <a:effectRef idx="0">
+            <a:schemeClr val="accent1"/>
+          </a:effectRef>
+          <a:fontRef idx="minor">
+            <a:schemeClr val="lt1"/>
+          </a:fontRef>
+        </p:style>
+        <p:txBody>
+          <a:bodyPr rtlCol="0" anchor="ctr"/>
+          <a:lstStyle/>
+          <a:p>
+            <a:pPr algn="ctr"/>
+            <a:endParaRPr lang="ko-KR" altLang="en-US"/>
+          </a:p>
+        </p:txBody>
+      </p:sp>
+      <p:sp>
+        <p:nvSpPr>
+          <p:cNvPr id="22" name="오른쪽 화살표 21"/>
+          <p:cNvSpPr/>
+          <p:nvPr/>
+        </p:nvSpPr>
+        <p:spPr>
+          <a:xfrm>
+            <a:off x="4022459" y="4636360"/>
+            <a:ext cx="391885" cy="438626"/>
+          </a:xfrm>
+          <a:prstGeom prst="rightArrow">
+            <a:avLst/>
+          </a:prstGeom>
+          <a:solidFill>
+            <a:srgbClr val="FF6600"/>
+          </a:solidFill>
+          <a:ln>
+            <a:noFill/>
+          </a:ln>
+        </p:spPr>
+        <p:style>
+          <a:lnRef idx="2">
+            <a:schemeClr val="accent1">
+              <a:shade val="50000"/>
+            </a:schemeClr>
+          </a:lnRef>
+          <a:fillRef idx="1">
+            <a:schemeClr val="accent1"/>
+          </a:fillRef>
+          <a:effectRef idx="0">
+            <a:schemeClr val="accent1"/>
+          </a:effectRef>
+          <a:fontRef idx="minor">
+            <a:schemeClr val="lt1"/>
+          </a:fontRef>
+        </p:style>
+        <p:txBody>
+          <a:bodyPr rtlCol="0" anchor="ctr"/>
+          <a:lstStyle/>
+          <a:p>
+            <a:pPr algn="ctr"/>
+            <a:endParaRPr lang="ko-KR" altLang="en-US"/>
+          </a:p>
+        </p:txBody>
+      </p:sp>
+      <p:sp>
+        <p:nvSpPr>
+          <p:cNvPr id="23" name="오른쪽 화살표 22"/>
+          <p:cNvSpPr/>
+          <p:nvPr/>
+        </p:nvSpPr>
+        <p:spPr>
+          <a:xfrm>
+            <a:off x="7794039" y="4668292"/>
+            <a:ext cx="391885" cy="438626"/>
+          </a:xfrm>
+          <a:prstGeom prst="rightArrow">
+            <a:avLst/>
+          </a:prstGeom>
+          <a:solidFill>
+            <a:srgbClr val="FF6600"/>
+          </a:solidFill>
+          <a:ln>
+            <a:noFill/>
+          </a:ln>
+        </p:spPr>
+        <p:style>
+          <a:lnRef idx="2">
+            <a:schemeClr val="accent1">
+              <a:shade val="50000"/>
+            </a:schemeClr>
+          </a:lnRef>
+          <a:fillRef idx="1">
+            <a:schemeClr val="accent1"/>
+          </a:fillRef>
+          <a:effectRef idx="0">
+            <a:schemeClr val="accent1"/>
+          </a:effectRef>
+          <a:fontRef idx="minor">
+            <a:schemeClr val="lt1"/>
+          </a:fontRef>
+        </p:style>
+        <p:txBody>
+          <a:bodyPr rtlCol="0" anchor="ctr"/>
+          <a:lstStyle/>
+          <a:p>
+            <a:pPr algn="ctr"/>
+            <a:endParaRPr lang="ko-KR" altLang="en-US"/>
+          </a:p>
+        </p:txBody>
+      </p:sp>
+      <p:sp>
+        <p:nvSpPr>
+          <p:cNvPr id="24" name="모서리가 둥근 직사각형 23"/>
+          <p:cNvSpPr/>
+          <p:nvPr/>
+        </p:nvSpPr>
+        <p:spPr>
+          <a:xfrm>
+            <a:off x="7732567" y="2145965"/>
+            <a:ext cx="1373015" cy="735548"/>
+          </a:xfrm>
+          <a:prstGeom prst="roundRect">
+            <a:avLst/>
+          </a:prstGeom>
+          <a:noFill/>
+          <a:ln>
+            <a:solidFill>
+              <a:srgbClr val="FF6600"/>
+            </a:solidFill>
+          </a:ln>
+        </p:spPr>
+        <p:style>
+          <a:lnRef idx="2">
+            <a:schemeClr val="accent1">
+              <a:shade val="50000"/>
+            </a:schemeClr>
+          </a:lnRef>
+          <a:fillRef idx="1">
+            <a:schemeClr val="accent1"/>
+          </a:fillRef>
+          <a:effectRef idx="0">
+            <a:schemeClr val="accent1"/>
+          </a:effectRef>
+          <a:fontRef idx="minor">
+            <a:schemeClr val="lt1"/>
+          </a:fontRef>
+        </p:style>
+        <p:txBody>
+          <a:bodyPr rtlCol="0" anchor="ctr"/>
+          <a:lstStyle/>
+          <a:p>
+            <a:pPr algn="ctr"/>
+            <a:endParaRPr lang="ko-KR" altLang="en-US"/>
+          </a:p>
+        </p:txBody>
+      </p:sp>
+      <p:sp>
+        <p:nvSpPr>
+          <p:cNvPr id="25" name="모서리가 둥근 직사각형 24"/>
+          <p:cNvSpPr/>
+          <p:nvPr/>
+        </p:nvSpPr>
+        <p:spPr>
+          <a:xfrm>
+            <a:off x="3110086" y="5629265"/>
+            <a:ext cx="491779" cy="313745"/>
+          </a:xfrm>
+          <a:prstGeom prst="roundRect">
+            <a:avLst/>
+          </a:prstGeom>
+          <a:noFill/>
+          <a:ln>
+            <a:solidFill>
+              <a:srgbClr val="FF6600"/>
+            </a:solidFill>
+          </a:ln>
+        </p:spPr>
+        <p:style>
+          <a:lnRef idx="2">
+            <a:schemeClr val="accent1">
+              <a:shade val="50000"/>
+            </a:schemeClr>
+          </a:lnRef>
+          <a:fillRef idx="1">
+            <a:schemeClr val="accent1"/>
+          </a:fillRef>
+          <a:effectRef idx="0">
+            <a:schemeClr val="accent1"/>
+          </a:effectRef>
+          <a:fontRef idx="minor">
+            <a:schemeClr val="lt1"/>
+          </a:fontRef>
+        </p:style>
+        <p:txBody>
+          <a:bodyPr rtlCol="0" anchor="ctr"/>
+          <a:lstStyle/>
+          <a:p>
+            <a:pPr algn="ctr"/>
+            <a:endParaRPr lang="ko-KR" altLang="en-US"/>
+          </a:p>
+        </p:txBody>
+      </p:sp>
+      <p:sp>
+        <p:nvSpPr>
+          <p:cNvPr id="26" name="모서리가 둥근 직사각형 25"/>
+          <p:cNvSpPr/>
+          <p:nvPr/>
+        </p:nvSpPr>
+        <p:spPr>
+          <a:xfrm>
+            <a:off x="4626542" y="4183386"/>
+            <a:ext cx="2957599" cy="1525851"/>
+          </a:xfrm>
+          <a:prstGeom prst="roundRect">
+            <a:avLst/>
+          </a:prstGeom>
+          <a:noFill/>
+          <a:ln>
+            <a:solidFill>
+              <a:srgbClr val="FF6600"/>
+            </a:solidFill>
+          </a:ln>
+        </p:spPr>
+        <p:style>
+          <a:lnRef idx="2">
+            <a:schemeClr val="accent1">
+              <a:shade val="50000"/>
+            </a:schemeClr>
+          </a:lnRef>
+          <a:fillRef idx="1">
+            <a:schemeClr val="accent1"/>
+          </a:fillRef>
+          <a:effectRef idx="0">
+            <a:schemeClr val="accent1"/>
+          </a:effectRef>
+          <a:fontRef idx="minor">
+            <a:schemeClr val="lt1"/>
+          </a:fontRef>
+        </p:style>
+        <p:txBody>
+          <a:bodyPr rtlCol="0" anchor="ctr"/>
+          <a:lstStyle/>
+          <a:p>
+            <a:pPr algn="ctr"/>
+            <a:endParaRPr lang="ko-KR" altLang="en-US"/>
+          </a:p>
+        </p:txBody>
+      </p:sp>
+      <p:sp>
+        <p:nvSpPr>
+          <p:cNvPr id="27" name="모서리가 둥근 직사각형 26"/>
+          <p:cNvSpPr/>
+          <p:nvPr/>
+        </p:nvSpPr>
+        <p:spPr>
+          <a:xfrm>
+            <a:off x="11089171" y="5621581"/>
+            <a:ext cx="351899" cy="281400"/>
+          </a:xfrm>
+          <a:prstGeom prst="roundRect">
+            <a:avLst/>
+          </a:prstGeom>
+          <a:noFill/>
+          <a:ln>
+            <a:solidFill>
+              <a:srgbClr val="FF6600"/>
+            </a:solidFill>
+          </a:ln>
+        </p:spPr>
+        <p:style>
+          <a:lnRef idx="2">
+            <a:schemeClr val="accent1">
+              <a:shade val="50000"/>
+            </a:schemeClr>
+          </a:lnRef>
+          <a:fillRef idx="1">
+            <a:schemeClr val="accent1"/>
+          </a:fillRef>
+          <a:effectRef idx="0">
+            <a:schemeClr val="accent1"/>
+          </a:effectRef>
+          <a:fontRef idx="minor">
+            <a:schemeClr val="lt1"/>
+          </a:fontRef>
+        </p:style>
+        <p:txBody>
+          <a:bodyPr rtlCol="0" anchor="ctr"/>
+          <a:lstStyle/>
+          <a:p>
+            <a:pPr algn="ctr"/>
+            <a:endParaRPr lang="ko-KR" altLang="en-US"/>
+          </a:p>
+        </p:txBody>
+      </p:sp>
+      <p:sp>
+        <p:nvSpPr>
+          <p:cNvPr id="28" name="모서리가 둥근 직사각형 27"/>
+          <p:cNvSpPr/>
+          <p:nvPr/>
+        </p:nvSpPr>
+        <p:spPr>
+          <a:xfrm>
+            <a:off x="8738887" y="4739144"/>
+            <a:ext cx="1971665" cy="735548"/>
+          </a:xfrm>
+          <a:prstGeom prst="roundRect">
+            <a:avLst/>
+          </a:prstGeom>
+          <a:noFill/>
+          <a:ln>
+            <a:solidFill>
+              <a:srgbClr val="FF6600"/>
+            </a:solidFill>
+          </a:ln>
+        </p:spPr>
+        <p:style>
+          <a:lnRef idx="2">
+            <a:schemeClr val="accent1">
+              <a:shade val="50000"/>
+            </a:schemeClr>
+          </a:lnRef>
+          <a:fillRef idx="1">
+            <a:schemeClr val="accent1"/>
+          </a:fillRef>
+          <a:effectRef idx="0">
+            <a:schemeClr val="accent1"/>
+          </a:effectRef>
+          <a:fontRef idx="minor">
+            <a:schemeClr val="lt1"/>
+          </a:fontRef>
+        </p:style>
+        <p:txBody>
+          <a:bodyPr rtlCol="0" anchor="ctr"/>
+          <a:lstStyle/>
+          <a:p>
+            <a:pPr algn="ctr"/>
+            <a:endParaRPr lang="ko-KR" altLang="en-US"/>
+          </a:p>
+        </p:txBody>
+      </p:sp>
     </p:spTree>
     <p:extLst>
       <p:ext uri="{BB962C8B-B14F-4D97-AF65-F5344CB8AC3E}">
@@ -9061,14 +9581,350 @@
         </p:blipFill>
         <p:spPr>
           <a:xfrm>
-            <a:off x="2556318" y="1626660"/>
-            <a:ext cx="7076190" cy="4495238"/>
+            <a:off x="8159681" y="2460138"/>
+            <a:ext cx="3436347" cy="2182982"/>
           </a:xfrm>
           <a:prstGeom prst="rect">
             <a:avLst/>
           </a:prstGeom>
         </p:spPr>
       </p:pic>
+      <p:sp>
+        <p:nvSpPr>
+          <p:cNvPr id="15" name="모서리가 둥근 직사각형 14"/>
+          <p:cNvSpPr/>
+          <p:nvPr/>
+        </p:nvSpPr>
+        <p:spPr>
+          <a:xfrm>
+            <a:off x="11365180" y="2476932"/>
+            <a:ext cx="187302" cy="186705"/>
+          </a:xfrm>
+          <a:prstGeom prst="roundRect">
+            <a:avLst/>
+          </a:prstGeom>
+          <a:noFill/>
+          <a:ln>
+            <a:solidFill>
+              <a:srgbClr val="FF6600"/>
+            </a:solidFill>
+          </a:ln>
+        </p:spPr>
+        <p:style>
+          <a:lnRef idx="2">
+            <a:schemeClr val="accent1">
+              <a:shade val="50000"/>
+            </a:schemeClr>
+          </a:lnRef>
+          <a:fillRef idx="1">
+            <a:schemeClr val="accent1"/>
+          </a:fillRef>
+          <a:effectRef idx="0">
+            <a:schemeClr val="accent1"/>
+          </a:effectRef>
+          <a:fontRef idx="minor">
+            <a:schemeClr val="lt1"/>
+          </a:fontRef>
+        </p:style>
+        <p:txBody>
+          <a:bodyPr rtlCol="0" anchor="ctr"/>
+          <a:lstStyle/>
+          <a:p>
+            <a:pPr algn="ctr"/>
+            <a:endParaRPr lang="ko-KR" altLang="en-US"/>
+          </a:p>
+        </p:txBody>
+      </p:sp>
+      <p:sp>
+        <p:nvSpPr>
+          <p:cNvPr id="16" name="모서리가 둥근 직사각형 15"/>
+          <p:cNvSpPr/>
+          <p:nvPr/>
+        </p:nvSpPr>
+        <p:spPr>
+          <a:xfrm>
+            <a:off x="9328543" y="3246313"/>
+            <a:ext cx="911777" cy="756505"/>
+          </a:xfrm>
+          <a:prstGeom prst="roundRect">
+            <a:avLst/>
+          </a:prstGeom>
+          <a:noFill/>
+          <a:ln>
+            <a:solidFill>
+              <a:srgbClr val="FF6600"/>
+            </a:solidFill>
+          </a:ln>
+        </p:spPr>
+        <p:style>
+          <a:lnRef idx="2">
+            <a:schemeClr val="accent1">
+              <a:shade val="50000"/>
+            </a:schemeClr>
+          </a:lnRef>
+          <a:fillRef idx="1">
+            <a:schemeClr val="accent1"/>
+          </a:fillRef>
+          <a:effectRef idx="0">
+            <a:schemeClr val="accent1"/>
+          </a:effectRef>
+          <a:fontRef idx="minor">
+            <a:schemeClr val="lt1"/>
+          </a:fontRef>
+        </p:style>
+        <p:txBody>
+          <a:bodyPr rtlCol="0" anchor="ctr"/>
+          <a:lstStyle/>
+          <a:p>
+            <a:pPr algn="ctr"/>
+            <a:endParaRPr lang="ko-KR" altLang="en-US" dirty="0"/>
+          </a:p>
+        </p:txBody>
+      </p:sp>
+      <p:pic>
+        <p:nvPicPr>
+          <p:cNvPr id="17" name="그림 16"/>
+          <p:cNvPicPr>
+            <a:picLocks noChangeAspect="1"/>
+          </p:cNvPicPr>
+          <p:nvPr/>
+        </p:nvPicPr>
+        <p:blipFill>
+          <a:blip r:embed="rId3">
+            <a:extLst>
+              <a:ext uri="{28A0092B-C50C-407E-A947-70E740481C1C}">
+                <a14:useLocalDpi xmlns:a14="http://schemas.microsoft.com/office/drawing/2010/main" val="0"/>
+              </a:ext>
+            </a:extLst>
+          </a:blip>
+          <a:stretch>
+            <a:fillRect/>
+          </a:stretch>
+        </p:blipFill>
+        <p:spPr>
+          <a:xfrm>
+            <a:off x="631478" y="2477556"/>
+            <a:ext cx="3087365" cy="2182983"/>
+          </a:xfrm>
+          <a:prstGeom prst="rect">
+            <a:avLst/>
+          </a:prstGeom>
+        </p:spPr>
+      </p:pic>
+      <p:pic>
+        <p:nvPicPr>
+          <p:cNvPr id="19" name="그림 18"/>
+          <p:cNvPicPr>
+            <a:picLocks noChangeAspect="1"/>
+          </p:cNvPicPr>
+          <p:nvPr/>
+        </p:nvPicPr>
+        <p:blipFill>
+          <a:blip r:embed="rId4">
+            <a:extLst>
+              <a:ext uri="{28A0092B-C50C-407E-A947-70E740481C1C}">
+                <a14:useLocalDpi xmlns:a14="http://schemas.microsoft.com/office/drawing/2010/main" val="0"/>
+              </a:ext>
+            </a:extLst>
+          </a:blip>
+          <a:stretch>
+            <a:fillRect/>
+          </a:stretch>
+        </p:blipFill>
+        <p:spPr>
+          <a:xfrm>
+            <a:off x="4244239" y="2435035"/>
+            <a:ext cx="3339548" cy="2233188"/>
+          </a:xfrm>
+          <a:prstGeom prst="rect">
+            <a:avLst/>
+          </a:prstGeom>
+        </p:spPr>
+      </p:pic>
+      <p:sp>
+        <p:nvSpPr>
+          <p:cNvPr id="20" name="모서리가 둥근 직사각형 19"/>
+          <p:cNvSpPr/>
+          <p:nvPr/>
+        </p:nvSpPr>
+        <p:spPr>
+          <a:xfrm>
+            <a:off x="7333260" y="2469247"/>
+            <a:ext cx="187302" cy="186705"/>
+          </a:xfrm>
+          <a:prstGeom prst="roundRect">
+            <a:avLst/>
+          </a:prstGeom>
+          <a:noFill/>
+          <a:ln>
+            <a:solidFill>
+              <a:srgbClr val="FF6600"/>
+            </a:solidFill>
+          </a:ln>
+        </p:spPr>
+        <p:style>
+          <a:lnRef idx="2">
+            <a:schemeClr val="accent1">
+              <a:shade val="50000"/>
+            </a:schemeClr>
+          </a:lnRef>
+          <a:fillRef idx="1">
+            <a:schemeClr val="accent1"/>
+          </a:fillRef>
+          <a:effectRef idx="0">
+            <a:schemeClr val="accent1"/>
+          </a:effectRef>
+          <a:fontRef idx="minor">
+            <a:schemeClr val="lt1"/>
+          </a:fontRef>
+        </p:style>
+        <p:txBody>
+          <a:bodyPr rtlCol="0" anchor="ctr"/>
+          <a:lstStyle/>
+          <a:p>
+            <a:pPr algn="ctr"/>
+            <a:endParaRPr lang="ko-KR" altLang="en-US"/>
+          </a:p>
+        </p:txBody>
+      </p:sp>
+      <p:sp>
+        <p:nvSpPr>
+          <p:cNvPr id="21" name="모서리가 둥근 직사각형 20"/>
+          <p:cNvSpPr/>
+          <p:nvPr/>
+        </p:nvSpPr>
+        <p:spPr>
+          <a:xfrm>
+            <a:off x="3508135" y="2488920"/>
+            <a:ext cx="187302" cy="186705"/>
+          </a:xfrm>
+          <a:prstGeom prst="roundRect">
+            <a:avLst/>
+          </a:prstGeom>
+          <a:noFill/>
+          <a:ln>
+            <a:solidFill>
+              <a:srgbClr val="FF6600"/>
+            </a:solidFill>
+          </a:ln>
+        </p:spPr>
+        <p:style>
+          <a:lnRef idx="2">
+            <a:schemeClr val="accent1">
+              <a:shade val="50000"/>
+            </a:schemeClr>
+          </a:lnRef>
+          <a:fillRef idx="1">
+            <a:schemeClr val="accent1"/>
+          </a:fillRef>
+          <a:effectRef idx="0">
+            <a:schemeClr val="accent1"/>
+          </a:effectRef>
+          <a:fontRef idx="minor">
+            <a:schemeClr val="lt1"/>
+          </a:fontRef>
+        </p:style>
+        <p:txBody>
+          <a:bodyPr rtlCol="0" anchor="ctr"/>
+          <a:lstStyle/>
+          <a:p>
+            <a:pPr algn="ctr"/>
+            <a:endParaRPr lang="ko-KR" altLang="en-US"/>
+          </a:p>
+        </p:txBody>
+      </p:sp>
+      <p:sp>
+        <p:nvSpPr>
+          <p:cNvPr id="3" name="오른쪽 화살표 2"/>
+          <p:cNvSpPr/>
+          <p:nvPr/>
+        </p:nvSpPr>
+        <p:spPr>
+          <a:xfrm>
+            <a:off x="3757491" y="3223999"/>
+            <a:ext cx="471379" cy="378252"/>
+          </a:xfrm>
+          <a:prstGeom prst="rightArrow">
+            <a:avLst/>
+          </a:prstGeom>
+          <a:solidFill>
+            <a:srgbClr val="FF6600"/>
+          </a:solidFill>
+          <a:ln>
+            <a:noFill/>
+          </a:ln>
+        </p:spPr>
+        <p:style>
+          <a:lnRef idx="2">
+            <a:schemeClr val="accent1">
+              <a:shade val="50000"/>
+            </a:schemeClr>
+          </a:lnRef>
+          <a:fillRef idx="1">
+            <a:schemeClr val="accent1"/>
+          </a:fillRef>
+          <a:effectRef idx="0">
+            <a:schemeClr val="accent1"/>
+          </a:effectRef>
+          <a:fontRef idx="minor">
+            <a:schemeClr val="lt1"/>
+          </a:fontRef>
+        </p:style>
+        <p:txBody>
+          <a:bodyPr rtlCol="0" anchor="ctr"/>
+          <a:lstStyle/>
+          <a:p>
+            <a:pPr algn="ctr"/>
+            <a:endParaRPr lang="ko-KR" altLang="en-US"/>
+          </a:p>
+        </p:txBody>
+      </p:sp>
+      <p:sp>
+        <p:nvSpPr>
+          <p:cNvPr id="22" name="오른쪽 화살표 21"/>
+          <p:cNvSpPr/>
+          <p:nvPr/>
+        </p:nvSpPr>
+        <p:spPr>
+          <a:xfrm>
+            <a:off x="7642198" y="3201080"/>
+            <a:ext cx="471379" cy="378252"/>
+          </a:xfrm>
+          <a:prstGeom prst="rightArrow">
+            <a:avLst/>
+          </a:prstGeom>
+          <a:solidFill>
+            <a:srgbClr val="FF6600"/>
+          </a:solidFill>
+          <a:ln>
+            <a:noFill/>
+          </a:ln>
+        </p:spPr>
+        <p:style>
+          <a:lnRef idx="2">
+            <a:schemeClr val="accent1">
+              <a:shade val="50000"/>
+            </a:schemeClr>
+          </a:lnRef>
+          <a:fillRef idx="1">
+            <a:schemeClr val="accent1"/>
+          </a:fillRef>
+          <a:effectRef idx="0">
+            <a:schemeClr val="accent1"/>
+          </a:effectRef>
+          <a:fontRef idx="minor">
+            <a:schemeClr val="lt1"/>
+          </a:fontRef>
+        </p:style>
+        <p:txBody>
+          <a:bodyPr rtlCol="0" anchor="ctr"/>
+          <a:lstStyle/>
+          <a:p>
+            <a:pPr algn="ctr"/>
+            <a:endParaRPr lang="ko-KR" altLang="en-US"/>
+          </a:p>
+        </p:txBody>
+      </p:sp>
     </p:spTree>
     <p:extLst>
       <p:ext uri="{BB962C8B-B14F-4D97-AF65-F5344CB8AC3E}">
@@ -27726,112 +28582,57 @@
           </a:fontRef>
         </p:style>
       </p:cxnSp>
-      <p:grpSp>
-        <p:nvGrpSpPr>
-          <p:cNvPr id="48" name="그룹 47"/>
-          <p:cNvGrpSpPr/>
-          <p:nvPr/>
-        </p:nvGrpSpPr>
-        <p:grpSpPr>
+      <p:sp>
+        <p:nvSpPr>
+          <p:cNvPr id="35" name="직사각형 34"/>
+          <p:cNvSpPr/>
+          <p:nvPr/>
+        </p:nvSpPr>
+        <p:spPr>
           <a:xfrm>
             <a:off x="941810" y="4333795"/>
             <a:ext cx="983557" cy="729983"/>
-            <a:chOff x="560934" y="4333795"/>
-            <a:chExt cx="983557" cy="729983"/>
-          </a:xfrm>
+          </a:xfrm>
+          <a:prstGeom prst="rect">
+            <a:avLst/>
+          </a:prstGeom>
           <a:solidFill>
             <a:srgbClr val="5B6176"/>
           </a:solidFill>
-        </p:grpSpPr>
-        <p:sp>
-          <p:nvSpPr>
-            <p:cNvPr id="35" name="직사각형 34"/>
-            <p:cNvSpPr/>
-            <p:nvPr/>
-          </p:nvSpPr>
-          <p:spPr>
-            <a:xfrm>
-              <a:off x="560934" y="4333795"/>
-              <a:ext cx="983557" cy="729983"/>
-            </a:xfrm>
-            <a:prstGeom prst="rect">
+          <a:ln>
+            <a:noFill/>
+          </a:ln>
+        </p:spPr>
+        <p:style>
+          <a:lnRef idx="2">
+            <a:schemeClr val="accent1">
+              <a:shade val="50000"/>
+            </a:schemeClr>
+          </a:lnRef>
+          <a:fillRef idx="1">
+            <a:schemeClr val="accent1"/>
+          </a:fillRef>
+          <a:effectRef idx="0">
+            <a:schemeClr val="accent1"/>
+          </a:effectRef>
+          <a:fontRef idx="minor">
+            <a:schemeClr val="lt1"/>
+          </a:fontRef>
+        </p:style>
+        <p:txBody>
+          <a:bodyPr rot="0" spcFirstLastPara="0" vertOverflow="overflow" horzOverflow="overflow" vert="horz" wrap="square" lIns="91440" tIns="45720" rIns="91440" bIns="45720" numCol="1" spcCol="0" rtlCol="0" fromWordArt="0" anchor="ctr" anchorCtr="0" forceAA="0" compatLnSpc="1">
+            <a:prstTxWarp prst="textNoShape">
               <a:avLst/>
-            </a:prstGeom>
-            <a:grpFill/>
-            <a:ln>
-              <a:noFill/>
-            </a:ln>
-          </p:spPr>
-          <p:style>
-            <a:lnRef idx="2">
-              <a:schemeClr val="accent1">
-                <a:shade val="50000"/>
-              </a:schemeClr>
-            </a:lnRef>
-            <a:fillRef idx="1">
-              <a:schemeClr val="accent1"/>
-            </a:fillRef>
-            <a:effectRef idx="0">
-              <a:schemeClr val="accent1"/>
-            </a:effectRef>
-            <a:fontRef idx="minor">
-              <a:schemeClr val="lt1"/>
-            </a:fontRef>
-          </p:style>
-          <p:txBody>
-            <a:bodyPr rot="0" spcFirstLastPara="0" vertOverflow="overflow" horzOverflow="overflow" vert="horz" wrap="square" lIns="91440" tIns="45720" rIns="91440" bIns="45720" numCol="1" spcCol="0" rtlCol="0" fromWordArt="0" anchor="ctr" anchorCtr="0" forceAA="0" compatLnSpc="1">
-              <a:prstTxWarp prst="textNoShape">
-                <a:avLst/>
-              </a:prstTxWarp>
-              <a:noAutofit/>
-            </a:bodyPr>
-            <a:lstStyle/>
-            <a:p>
-              <a:pPr algn="ctr"/>
-              <a:endParaRPr lang="ko-KR" altLang="en-US"/>
-            </a:p>
-          </p:txBody>
-        </p:sp>
-        <p:sp>
-          <p:nvSpPr>
-            <p:cNvPr id="36" name="TextBox 35"/>
-            <p:cNvSpPr txBox="1"/>
-            <p:nvPr/>
-          </p:nvSpPr>
-          <p:spPr>
-            <a:xfrm>
-              <a:off x="560934" y="4567981"/>
-              <a:ext cx="983557" cy="261610"/>
-            </a:xfrm>
-            <a:prstGeom prst="rect">
-              <a:avLst/>
-            </a:prstGeom>
-            <a:grpFill/>
-          </p:spPr>
-          <p:txBody>
-            <a:bodyPr wrap="square" rtlCol="0">
-              <a:spAutoFit/>
-            </a:bodyPr>
-            <a:lstStyle/>
-            <a:p>
-              <a:pPr algn="ctr"/>
-              <a:r>
-                <a:rPr lang="ko-KR" altLang="en-US" sz="1100" dirty="0" smtClean="0">
-                  <a:solidFill>
-                    <a:schemeClr val="bg1"/>
-                  </a:solidFill>
-                </a:rPr>
-                <a:t>다음 창 연결</a:t>
-              </a:r>
-              <a:endParaRPr lang="ko-KR" altLang="en-US" sz="1100" dirty="0">
-                <a:solidFill>
-                  <a:schemeClr val="bg1"/>
-                </a:solidFill>
-              </a:endParaRPr>
-            </a:p>
-          </p:txBody>
-        </p:sp>
-      </p:grpSp>
+            </a:prstTxWarp>
+            <a:noAutofit/>
+          </a:bodyPr>
+          <a:lstStyle/>
+          <a:p>
+            <a:pPr algn="ctr"/>
+            <a:endParaRPr lang="ko-KR" altLang="en-US"/>
+          </a:p>
+        </p:txBody>
+      </p:sp>
       <p:grpSp>
         <p:nvGrpSpPr>
           <p:cNvPr id="49" name="그룹 48"/>
@@ -27840,10 +28641,10 @@
         </p:nvGrpSpPr>
         <p:grpSpPr>
           <a:xfrm>
-            <a:off x="2289223" y="4333794"/>
-            <a:ext cx="983557" cy="729983"/>
-            <a:chOff x="1768301" y="4333794"/>
-            <a:chExt cx="983557" cy="729983"/>
+            <a:off x="945544" y="4333794"/>
+            <a:ext cx="2327236" cy="729983"/>
+            <a:chOff x="424622" y="4333794"/>
+            <a:chExt cx="2327236" cy="729983"/>
           </a:xfrm>
           <a:solidFill>
             <a:srgbClr val="5B6176"/>
@@ -27906,8 +28707,8 @@
           </p:nvSpPr>
           <p:spPr>
             <a:xfrm>
-              <a:off x="1768301" y="4579505"/>
-              <a:ext cx="983557" cy="261610"/>
+              <a:off x="424622" y="4587008"/>
+              <a:ext cx="979823" cy="261610"/>
             </a:xfrm>
             <a:prstGeom prst="rect">
               <a:avLst/>
@@ -28633,15 +29434,7 @@
                     <a:schemeClr val="bg1"/>
                   </a:solidFill>
                 </a:rPr>
-                <a:t>링크 </a:t>
-              </a:r>
-              <a:r>
-                <a:rPr lang="ko-KR" altLang="en-US" sz="1100" dirty="0" smtClean="0">
-                  <a:solidFill>
-                    <a:schemeClr val="bg1"/>
-                  </a:solidFill>
-                </a:rPr>
-                <a:t>연결</a:t>
+                <a:t>링크 연결</a:t>
               </a:r>
               <a:endParaRPr lang="ko-KR" altLang="en-US" sz="1100" dirty="0">
                 <a:solidFill>
@@ -28652,6 +29445,63 @@
           </p:txBody>
         </p:sp>
       </p:grpSp>
+      <p:sp>
+        <p:nvSpPr>
+          <p:cNvPr id="56" name="TextBox 55"/>
+          <p:cNvSpPr txBox="1"/>
+          <p:nvPr/>
+        </p:nvSpPr>
+        <p:spPr>
+          <a:xfrm>
+            <a:off x="2289223" y="4579503"/>
+            <a:ext cx="983557" cy="261610"/>
+          </a:xfrm>
+          <a:prstGeom prst="rect">
+            <a:avLst/>
+          </a:prstGeom>
+          <a:solidFill>
+            <a:srgbClr val="5B6176"/>
+          </a:solidFill>
+        </p:spPr>
+        <p:txBody>
+          <a:bodyPr wrap="square" rtlCol="0">
+            <a:spAutoFit/>
+          </a:bodyPr>
+          <a:lstStyle/>
+          <a:p>
+            <a:pPr algn="ctr"/>
+            <a:r>
+              <a:rPr lang="ko-KR" altLang="en-US" sz="1100" dirty="0" smtClean="0">
+                <a:solidFill>
+                  <a:schemeClr val="bg1"/>
+                </a:solidFill>
+              </a:rPr>
+              <a:t>다음 창</a:t>
+            </a:r>
+            <a:r>
+              <a:rPr lang="ko-KR" altLang="en-US" sz="1100" dirty="0" smtClean="0">
+                <a:solidFill>
+                  <a:schemeClr val="bg1"/>
+                </a:solidFill>
+              </a:rPr>
+              <a:t> </a:t>
+            </a:r>
+            <a:r>
+              <a:rPr lang="ko-KR" altLang="en-US" sz="1100" dirty="0" smtClean="0">
+                <a:solidFill>
+                  <a:schemeClr val="bg1"/>
+                </a:solidFill>
+              </a:rPr>
+              <a:t>연결</a:t>
+            </a:r>
+            <a:endParaRPr lang="ko-KR" altLang="en-US" sz="1100" dirty="0">
+              <a:solidFill>
+                <a:schemeClr val="bg1"/>
+              </a:solidFill>
+            </a:endParaRPr>
+          </a:p>
+        </p:txBody>
+      </p:sp>
     </p:spTree>
     <p:extLst>
       <p:ext uri="{BB962C8B-B14F-4D97-AF65-F5344CB8AC3E}">
@@ -29663,7 +30513,7 @@
         </p:nvSpPr>
         <p:spPr>
           <a:xfrm>
-            <a:off x="449943" y="986971"/>
+            <a:off x="449943" y="986972"/>
             <a:ext cx="11327709" cy="5689600"/>
           </a:xfrm>
           <a:prstGeom prst="rect">
@@ -30132,7 +30982,7 @@
         </p:blipFill>
         <p:spPr>
           <a:xfrm>
-            <a:off x="871573" y="1300627"/>
+            <a:off x="1102093" y="1477359"/>
             <a:ext cx="6494133" cy="4224996"/>
           </a:xfrm>
           <a:prstGeom prst="rect">
@@ -30148,7 +30998,7 @@
         </p:nvSpPr>
         <p:spPr>
           <a:xfrm>
-            <a:off x="8410456" y="4253646"/>
+            <a:off x="8640976" y="4430378"/>
             <a:ext cx="2343429" cy="852928"/>
           </a:xfrm>
           <a:prstGeom prst="roundRect">
@@ -30199,7 +31049,7 @@
         </p:nvSpPr>
         <p:spPr>
           <a:xfrm>
-            <a:off x="8694363" y="4495444"/>
+            <a:off x="8924883" y="4672176"/>
             <a:ext cx="1805950" cy="369332"/>
           </a:xfrm>
           <a:prstGeom prst="rect">
@@ -30214,7 +31064,7 @@
           <a:lstStyle/>
           <a:p>
             <a:r>
-              <a:rPr lang="ko-KR" altLang="en-US" dirty="0" err="1" smtClean="0">
+              <a:rPr lang="ko-KR" altLang="en-US" b="1" dirty="0" err="1" smtClean="0">
                 <a:solidFill>
                   <a:schemeClr val="bg1"/>
                 </a:solidFill>
@@ -30222,7 +31072,7 @@
               <a:t>툴팁</a:t>
             </a:r>
             <a:r>
-              <a:rPr lang="en-US" altLang="ko-KR" dirty="0" smtClean="0">
+              <a:rPr lang="en-US" altLang="ko-KR" b="1" dirty="0" smtClean="0">
                 <a:solidFill>
                   <a:schemeClr val="bg1"/>
                 </a:solidFill>
@@ -30230,14 +31080,14 @@
               <a:t>, </a:t>
             </a:r>
             <a:r>
-              <a:rPr lang="ko-KR" altLang="en-US" dirty="0" smtClean="0">
+              <a:rPr lang="ko-KR" altLang="en-US" b="1" dirty="0" smtClean="0">
                 <a:solidFill>
                   <a:schemeClr val="bg1"/>
                 </a:solidFill>
               </a:rPr>
               <a:t>링크 연결</a:t>
             </a:r>
-            <a:endParaRPr lang="en-US" altLang="ko-KR" dirty="0" smtClean="0">
+            <a:endParaRPr lang="en-US" altLang="ko-KR" b="1" dirty="0" smtClean="0">
               <a:solidFill>
                 <a:schemeClr val="bg1"/>
               </a:solidFill>
@@ -30256,7 +31106,7 @@
         </p:nvCxnSpPr>
         <p:spPr>
           <a:xfrm flipV="1">
-            <a:off x="1372629" y="4680110"/>
+            <a:off x="1603149" y="4856842"/>
             <a:ext cx="7037827" cy="467063"/>
           </a:xfrm>
           <a:prstGeom prst="line">
@@ -30291,7 +31141,7 @@
         </p:nvSpPr>
         <p:spPr>
           <a:xfrm>
-            <a:off x="8425623" y="2950669"/>
+            <a:off x="8656143" y="3127401"/>
             <a:ext cx="2343429" cy="852928"/>
           </a:xfrm>
           <a:prstGeom prst="roundRect">
@@ -30342,7 +31192,7 @@
         </p:nvSpPr>
         <p:spPr>
           <a:xfrm>
-            <a:off x="8694362" y="3192467"/>
+            <a:off x="8924882" y="3369199"/>
             <a:ext cx="1805950" cy="369332"/>
           </a:xfrm>
           <a:prstGeom prst="rect">
@@ -30357,14 +31207,14 @@
           <a:lstStyle/>
           <a:p>
             <a:r>
-              <a:rPr lang="ko-KR" altLang="en-US" dirty="0" smtClean="0">
+              <a:rPr lang="ko-KR" altLang="en-US" b="1" dirty="0" smtClean="0">
                 <a:solidFill>
                   <a:schemeClr val="bg1"/>
                 </a:solidFill>
               </a:rPr>
               <a:t>추첨 화면 연결</a:t>
             </a:r>
-            <a:endParaRPr lang="en-US" altLang="ko-KR" dirty="0" smtClean="0">
+            <a:endParaRPr lang="en-US" altLang="ko-KR" b="1" dirty="0" smtClean="0">
               <a:solidFill>
                 <a:schemeClr val="bg1"/>
               </a:solidFill>
@@ -30383,7 +31233,7 @@
         </p:nvCxnSpPr>
         <p:spPr>
           <a:xfrm>
-            <a:off x="6923314" y="3377133"/>
+            <a:off x="7153834" y="3553865"/>
             <a:ext cx="1502309" cy="0"/>
           </a:xfrm>
           <a:prstGeom prst="line">
@@ -30418,7 +31268,7 @@
         </p:nvSpPr>
         <p:spPr>
           <a:xfrm>
-            <a:off x="4464424" y="2704780"/>
+            <a:off x="4694944" y="2881512"/>
             <a:ext cx="2458890" cy="1344706"/>
           </a:xfrm>
           <a:prstGeom prst="roundRect">
@@ -30469,7 +31319,7 @@
         </p:nvSpPr>
         <p:spPr>
           <a:xfrm>
-            <a:off x="8419920" y="1643810"/>
+            <a:off x="8650440" y="1820542"/>
             <a:ext cx="2343429" cy="852928"/>
           </a:xfrm>
           <a:prstGeom prst="roundRect">
@@ -30520,7 +31370,7 @@
         </p:nvSpPr>
         <p:spPr>
           <a:xfrm>
-            <a:off x="8694363" y="1747108"/>
+            <a:off x="8924883" y="1923840"/>
             <a:ext cx="1805950" cy="646331"/>
           </a:xfrm>
           <a:prstGeom prst="rect">
@@ -30535,7 +31385,7 @@
           <a:lstStyle/>
           <a:p>
             <a:r>
-              <a:rPr lang="ko-KR" altLang="en-US" dirty="0" smtClean="0">
+              <a:rPr lang="ko-KR" altLang="en-US" b="1" dirty="0" smtClean="0">
                 <a:solidFill>
                   <a:schemeClr val="bg1"/>
                 </a:solidFill>
@@ -30543,7 +31393,7 @@
               <a:t>이미지</a:t>
             </a:r>
             <a:r>
-              <a:rPr lang="en-US" altLang="ko-KR" dirty="0" smtClean="0">
+              <a:rPr lang="en-US" altLang="ko-KR" b="1" dirty="0" smtClean="0">
                 <a:solidFill>
                   <a:schemeClr val="bg1"/>
                 </a:solidFill>
@@ -30553,14 +31403,14 @@
           </a:p>
           <a:p>
             <a:r>
-              <a:rPr lang="ko-KR" altLang="en-US" dirty="0" smtClean="0">
+              <a:rPr lang="ko-KR" altLang="en-US" b="1" dirty="0" smtClean="0">
                 <a:solidFill>
                   <a:schemeClr val="bg1"/>
                 </a:solidFill>
               </a:rPr>
               <a:t>텍스트 박스</a:t>
             </a:r>
-            <a:endParaRPr lang="en-US" altLang="ko-KR" dirty="0" smtClean="0">
+            <a:endParaRPr lang="en-US" altLang="ko-KR" b="1" dirty="0" smtClean="0">
               <a:solidFill>
                 <a:schemeClr val="bg1"/>
               </a:solidFill>
@@ -30576,7 +31426,7 @@
         </p:nvSpPr>
         <p:spPr>
           <a:xfrm>
-            <a:off x="1160707" y="1959429"/>
+            <a:off x="1391227" y="2136161"/>
             <a:ext cx="3102597" cy="3158934"/>
           </a:xfrm>
           <a:prstGeom prst="roundRect">
@@ -30627,7 +31477,7 @@
         </p:nvSpPr>
         <p:spPr>
           <a:xfrm>
-            <a:off x="5325035" y="4826416"/>
+            <a:off x="5555555" y="5003148"/>
             <a:ext cx="1905641" cy="509638"/>
           </a:xfrm>
           <a:prstGeom prst="roundRect">
@@ -30681,7 +31531,7 @@
         </p:nvCxnSpPr>
         <p:spPr>
           <a:xfrm flipV="1">
-            <a:off x="4263304" y="2070274"/>
+            <a:off x="4493824" y="2247006"/>
             <a:ext cx="4156616" cy="1468622"/>
           </a:xfrm>
           <a:prstGeom prst="line">
@@ -30719,7 +31569,7 @@
         </p:nvCxnSpPr>
         <p:spPr>
           <a:xfrm flipV="1">
-            <a:off x="7230676" y="2070274"/>
+            <a:off x="7461196" y="2247006"/>
             <a:ext cx="1189244" cy="3010961"/>
           </a:xfrm>
           <a:prstGeom prst="line">
@@ -30754,7 +31604,7 @@
         </p:nvSpPr>
         <p:spPr>
           <a:xfrm>
-            <a:off x="1091133" y="5019763"/>
+            <a:off x="1321653" y="5196495"/>
             <a:ext cx="281496" cy="254819"/>
           </a:xfrm>
           <a:prstGeom prst="roundRect">
@@ -30960,7 +31810,7 @@
         </p:nvSpPr>
         <p:spPr>
           <a:xfrm>
-            <a:off x="452968" y="986971"/>
+            <a:off x="453610" y="986971"/>
             <a:ext cx="11327709" cy="5689600"/>
           </a:xfrm>
           <a:prstGeom prst="rect">
@@ -31415,7 +32265,7 @@
         </p:nvSpPr>
         <p:spPr>
           <a:xfrm>
-            <a:off x="8398019" y="3534769"/>
+            <a:off x="8743799" y="3734553"/>
             <a:ext cx="2343429" cy="852928"/>
           </a:xfrm>
           <a:prstGeom prst="roundRect">
@@ -31466,7 +32316,7 @@
         </p:nvSpPr>
         <p:spPr>
           <a:xfrm>
-            <a:off x="8681926" y="3776567"/>
+            <a:off x="9027706" y="3976351"/>
             <a:ext cx="1805950" cy="369332"/>
           </a:xfrm>
           <a:prstGeom prst="rect">
@@ -31481,14 +32331,14 @@
           <a:lstStyle/>
           <a:p>
             <a:r>
-              <a:rPr lang="ko-KR" altLang="en-US" dirty="0">
+              <a:rPr lang="ko-KR" altLang="en-US" b="1" dirty="0">
                 <a:solidFill>
                   <a:schemeClr val="bg1"/>
                 </a:solidFill>
               </a:rPr>
               <a:t>번호 출력 버튼</a:t>
             </a:r>
-            <a:endParaRPr lang="en-US" altLang="ko-KR" dirty="0">
+            <a:endParaRPr lang="en-US" altLang="ko-KR" b="1" dirty="0">
               <a:solidFill>
                 <a:schemeClr val="bg1"/>
               </a:solidFill>
@@ -31504,7 +32354,7 @@
         </p:nvSpPr>
         <p:spPr>
           <a:xfrm>
-            <a:off x="8406493" y="2424063"/>
+            <a:off x="8752273" y="2623847"/>
             <a:ext cx="2343429" cy="852928"/>
           </a:xfrm>
           <a:prstGeom prst="roundRect">
@@ -31555,7 +32405,7 @@
         </p:nvSpPr>
         <p:spPr>
           <a:xfrm>
-            <a:off x="8681926" y="2665861"/>
+            <a:off x="9027706" y="2865645"/>
             <a:ext cx="1805950" cy="369332"/>
           </a:xfrm>
           <a:prstGeom prst="rect">
@@ -31570,14 +32420,14 @@
           <a:lstStyle/>
           <a:p>
             <a:r>
-              <a:rPr lang="ko-KR" altLang="en-US" dirty="0" smtClean="0">
+              <a:rPr lang="ko-KR" altLang="en-US" b="1" dirty="0" smtClean="0">
                 <a:solidFill>
                   <a:schemeClr val="bg1"/>
                 </a:solidFill>
               </a:rPr>
               <a:t>번호 출력 박스</a:t>
             </a:r>
-            <a:endParaRPr lang="en-US" altLang="ko-KR" dirty="0" smtClean="0">
+            <a:endParaRPr lang="en-US" altLang="ko-KR" b="1" dirty="0" smtClean="0">
               <a:solidFill>
                 <a:schemeClr val="bg1"/>
               </a:solidFill>
@@ -31593,7 +32443,7 @@
         </p:nvSpPr>
         <p:spPr>
           <a:xfrm>
-            <a:off x="8406494" y="1384124"/>
+            <a:off x="8752274" y="1583908"/>
             <a:ext cx="2343429" cy="852928"/>
           </a:xfrm>
           <a:prstGeom prst="roundRect">
@@ -31644,7 +32494,7 @@
         </p:nvSpPr>
         <p:spPr>
           <a:xfrm>
-            <a:off x="8680937" y="1625922"/>
+            <a:off x="9026717" y="1825706"/>
             <a:ext cx="1805950" cy="369332"/>
           </a:xfrm>
           <a:prstGeom prst="rect">
@@ -31659,7 +32509,7 @@
           <a:lstStyle/>
           <a:p>
             <a:r>
-              <a:rPr lang="ko-KR" altLang="en-US" dirty="0" smtClean="0">
+              <a:rPr lang="ko-KR" altLang="en-US" b="1" dirty="0" smtClean="0">
                 <a:solidFill>
                   <a:schemeClr val="bg1"/>
                 </a:solidFill>
@@ -31667,7 +32517,7 @@
               <a:t>이미지</a:t>
             </a:r>
             <a:r>
-              <a:rPr lang="en-US" altLang="ko-KR" dirty="0" smtClean="0">
+              <a:rPr lang="en-US" altLang="ko-KR" b="1" dirty="0" smtClean="0">
                 <a:solidFill>
                   <a:schemeClr val="bg1"/>
                 </a:solidFill>
@@ -31699,7 +32549,7 @@
         </p:blipFill>
         <p:spPr>
           <a:xfrm>
-            <a:off x="871200" y="1299600"/>
+            <a:off x="1216980" y="1499384"/>
             <a:ext cx="6494400" cy="4226400"/>
           </a:xfrm>
           <a:prstGeom prst="rect">
@@ -31715,7 +32565,7 @@
         </p:nvSpPr>
         <p:spPr>
           <a:xfrm>
-            <a:off x="1068499" y="1824917"/>
+            <a:off x="1414279" y="2024701"/>
             <a:ext cx="3165404" cy="3204549"/>
           </a:xfrm>
           <a:prstGeom prst="roundRect">
@@ -31769,7 +32619,7 @@
         </p:nvCxnSpPr>
         <p:spPr>
           <a:xfrm flipV="1">
-            <a:off x="4233903" y="1810588"/>
+            <a:off x="4579683" y="2010372"/>
             <a:ext cx="4172591" cy="1616604"/>
           </a:xfrm>
           <a:prstGeom prst="line">
@@ -31804,7 +32654,7 @@
         </p:nvSpPr>
         <p:spPr>
           <a:xfrm>
-            <a:off x="3327187" y="4864776"/>
+            <a:off x="3672967" y="5064560"/>
             <a:ext cx="1590595" cy="552468"/>
           </a:xfrm>
           <a:prstGeom prst="roundRect">
@@ -31858,7 +32708,7 @@
         </p:nvCxnSpPr>
         <p:spPr>
           <a:xfrm flipV="1">
-            <a:off x="4917782" y="3961233"/>
+            <a:off x="5263562" y="4161017"/>
             <a:ext cx="3480237" cy="1179777"/>
           </a:xfrm>
           <a:prstGeom prst="line">
@@ -31893,7 +32743,7 @@
         </p:nvSpPr>
         <p:spPr>
           <a:xfrm>
-            <a:off x="8398018" y="4564316"/>
+            <a:off x="8743798" y="4764100"/>
             <a:ext cx="2343429" cy="852928"/>
           </a:xfrm>
           <a:prstGeom prst="roundRect">
@@ -31944,7 +32794,7 @@
         </p:nvSpPr>
         <p:spPr>
           <a:xfrm>
-            <a:off x="8681925" y="4806114"/>
+            <a:off x="9027705" y="5005898"/>
             <a:ext cx="1805950" cy="369332"/>
           </a:xfrm>
           <a:prstGeom prst="rect">
@@ -31959,14 +32809,14 @@
           <a:lstStyle/>
           <a:p>
             <a:r>
-              <a:rPr lang="ko-KR" altLang="en-US" dirty="0" smtClean="0">
+              <a:rPr lang="ko-KR" altLang="en-US" b="1" dirty="0" smtClean="0">
                 <a:solidFill>
                   <a:schemeClr val="bg1"/>
                 </a:solidFill>
               </a:rPr>
               <a:t>조회 화면 연결</a:t>
             </a:r>
-            <a:endParaRPr lang="en-US" altLang="ko-KR" dirty="0">
+            <a:endParaRPr lang="en-US" altLang="ko-KR" b="1" dirty="0">
               <a:solidFill>
                 <a:schemeClr val="bg1"/>
               </a:solidFill>
@@ -31985,7 +32835,7 @@
         </p:nvCxnSpPr>
         <p:spPr>
           <a:xfrm flipV="1">
-            <a:off x="7140052" y="4990780"/>
+            <a:off x="7485832" y="5190564"/>
             <a:ext cx="1257966" cy="196924"/>
           </a:xfrm>
           <a:prstGeom prst="line">
@@ -32020,7 +32870,7 @@
         </p:nvSpPr>
         <p:spPr>
           <a:xfrm>
-            <a:off x="6575378" y="4965848"/>
+            <a:off x="6921158" y="5165632"/>
             <a:ext cx="564674" cy="443712"/>
           </a:xfrm>
           <a:prstGeom prst="roundRect">
@@ -32071,7 +32921,7 @@
         </p:nvSpPr>
         <p:spPr>
           <a:xfrm>
-            <a:off x="4564317" y="1995254"/>
+            <a:off x="4910097" y="2195038"/>
             <a:ext cx="2159214" cy="2869522"/>
           </a:xfrm>
           <a:prstGeom prst="roundRect">
@@ -32125,7 +32975,7 @@
         </p:nvCxnSpPr>
         <p:spPr>
           <a:xfrm flipV="1">
-            <a:off x="6723531" y="2850527"/>
+            <a:off x="7069311" y="3050311"/>
             <a:ext cx="1682962" cy="579488"/>
           </a:xfrm>
           <a:prstGeom prst="line">
@@ -32315,7 +33165,7 @@
         </p:nvSpPr>
         <p:spPr>
           <a:xfrm>
-            <a:off x="451748" y="986971"/>
+            <a:off x="449943" y="990387"/>
             <a:ext cx="11327709" cy="5689600"/>
           </a:xfrm>
           <a:prstGeom prst="rect">
@@ -32770,7 +33620,7 @@
         </p:nvSpPr>
         <p:spPr>
           <a:xfrm>
-            <a:off x="8413186" y="2915839"/>
+            <a:off x="8582234" y="3092571"/>
             <a:ext cx="2343429" cy="852928"/>
           </a:xfrm>
           <a:prstGeom prst="roundRect">
@@ -32821,7 +33671,7 @@
         </p:nvSpPr>
         <p:spPr>
           <a:xfrm>
-            <a:off x="8688619" y="3157637"/>
+            <a:off x="8857667" y="3334369"/>
             <a:ext cx="1805950" cy="369332"/>
           </a:xfrm>
           <a:prstGeom prst="rect">
@@ -32836,14 +33686,14 @@
           <a:lstStyle/>
           <a:p>
             <a:r>
-              <a:rPr lang="ko-KR" altLang="en-US" dirty="0" smtClean="0">
+              <a:rPr lang="ko-KR" altLang="en-US" b="1" dirty="0" smtClean="0">
                 <a:solidFill>
                   <a:schemeClr val="bg1"/>
                 </a:solidFill>
               </a:rPr>
               <a:t>엑셀 시트 출력</a:t>
             </a:r>
-            <a:endParaRPr lang="en-US" altLang="ko-KR" dirty="0" smtClean="0">
+            <a:endParaRPr lang="en-US" altLang="ko-KR" b="1" dirty="0" smtClean="0">
               <a:solidFill>
                 <a:schemeClr val="bg1"/>
               </a:solidFill>
@@ -32859,7 +33709,7 @@
         </p:nvSpPr>
         <p:spPr>
           <a:xfrm>
-            <a:off x="8413185" y="1603116"/>
+            <a:off x="8582233" y="1779848"/>
             <a:ext cx="2343429" cy="852928"/>
           </a:xfrm>
           <a:prstGeom prst="roundRect">
@@ -32910,7 +33760,7 @@
         </p:nvSpPr>
         <p:spPr>
           <a:xfrm>
-            <a:off x="8687628" y="1844914"/>
+            <a:off x="8856676" y="2021646"/>
             <a:ext cx="1805950" cy="369332"/>
           </a:xfrm>
           <a:prstGeom prst="rect">
@@ -32925,14 +33775,14 @@
           <a:lstStyle/>
           <a:p>
             <a:r>
-              <a:rPr lang="ko-KR" altLang="en-US" dirty="0" smtClean="0">
+              <a:rPr lang="ko-KR" altLang="en-US" b="1" dirty="0" smtClean="0">
                 <a:solidFill>
                   <a:schemeClr val="bg1"/>
                 </a:solidFill>
               </a:rPr>
               <a:t>엑셀 불러오기</a:t>
             </a:r>
-            <a:endParaRPr lang="en-US" altLang="ko-KR" dirty="0" smtClean="0">
+            <a:endParaRPr lang="en-US" altLang="ko-KR" b="1" dirty="0" smtClean="0">
               <a:solidFill>
                 <a:schemeClr val="bg1"/>
               </a:solidFill>
@@ -32948,7 +33798,7 @@
         </p:nvSpPr>
         <p:spPr>
           <a:xfrm>
-            <a:off x="8419879" y="4315274"/>
+            <a:off x="8588927" y="4492006"/>
             <a:ext cx="2343429" cy="852928"/>
           </a:xfrm>
           <a:prstGeom prst="roundRect">
@@ -32991,44 +33841,6 @@
           </a:p>
         </p:txBody>
       </p:sp>
-      <p:sp>
-        <p:nvSpPr>
-          <p:cNvPr id="44" name="TextBox 43"/>
-          <p:cNvSpPr txBox="1"/>
-          <p:nvPr/>
-        </p:nvSpPr>
-        <p:spPr>
-          <a:xfrm>
-            <a:off x="8681925" y="5123205"/>
-            <a:ext cx="1805950" cy="369332"/>
-          </a:xfrm>
-          <a:prstGeom prst="rect">
-            <a:avLst/>
-          </a:prstGeom>
-          <a:noFill/>
-        </p:spPr>
-        <p:txBody>
-          <a:bodyPr wrap="square" rtlCol="0">
-            <a:spAutoFit/>
-          </a:bodyPr>
-          <a:lstStyle/>
-          <a:p>
-            <a:r>
-              <a:rPr lang="ko-KR" altLang="en-US" dirty="0" smtClean="0">
-                <a:solidFill>
-                  <a:schemeClr val="bg1"/>
-                </a:solidFill>
-              </a:rPr>
-              <a:t>조회 화면 연결</a:t>
-            </a:r>
-            <a:endParaRPr lang="en-US" altLang="ko-KR" dirty="0">
-              <a:solidFill>
-                <a:schemeClr val="bg1"/>
-              </a:solidFill>
-            </a:endParaRPr>
-          </a:p>
-        </p:txBody>
-      </p:sp>
       <p:pic>
         <p:nvPicPr>
           <p:cNvPr id="2" name="그림 1"/>
@@ -33051,7 +33863,7 @@
         </p:blipFill>
         <p:spPr>
           <a:xfrm>
-            <a:off x="871200" y="1299600"/>
+            <a:off x="1040248" y="1476332"/>
             <a:ext cx="6494400" cy="4140498"/>
           </a:xfrm>
           <a:prstGeom prst="rect">
@@ -33067,7 +33879,7 @@
         </p:nvSpPr>
         <p:spPr>
           <a:xfrm>
-            <a:off x="3173505" y="1553169"/>
+            <a:off x="3342553" y="1729901"/>
             <a:ext cx="776088" cy="407255"/>
           </a:xfrm>
           <a:prstGeom prst="roundRect">
@@ -33121,7 +33933,7 @@
         </p:nvCxnSpPr>
         <p:spPr>
           <a:xfrm>
-            <a:off x="3949593" y="1756797"/>
+            <a:off x="4118641" y="1933529"/>
             <a:ext cx="4463592" cy="272783"/>
           </a:xfrm>
           <a:prstGeom prst="line">
@@ -33156,7 +33968,7 @@
         </p:nvSpPr>
         <p:spPr>
           <a:xfrm>
-            <a:off x="1038168" y="1852848"/>
+            <a:off x="1207216" y="2029580"/>
             <a:ext cx="6161771" cy="3137932"/>
           </a:xfrm>
           <a:prstGeom prst="roundRect">
@@ -33209,7 +34021,7 @@
         </p:nvCxnSpPr>
         <p:spPr>
           <a:xfrm flipV="1">
-            <a:off x="7206632" y="3342303"/>
+            <a:off x="7375680" y="3519035"/>
             <a:ext cx="1206554" cy="519322"/>
           </a:xfrm>
           <a:prstGeom prst="line">
@@ -33244,7 +34056,7 @@
         </p:nvSpPr>
         <p:spPr>
           <a:xfrm>
-            <a:off x="6577533" y="4867587"/>
+            <a:off x="6746581" y="5044319"/>
             <a:ext cx="476410" cy="369332"/>
           </a:xfrm>
           <a:prstGeom prst="roundRect">
@@ -33298,7 +34110,7 @@
         </p:nvCxnSpPr>
         <p:spPr>
           <a:xfrm flipV="1">
-            <a:off x="7053943" y="4741738"/>
+            <a:off x="7222991" y="4918470"/>
             <a:ext cx="1365936" cy="310515"/>
           </a:xfrm>
           <a:prstGeom prst="line">
@@ -33333,7 +34145,7 @@
         </p:nvSpPr>
         <p:spPr>
           <a:xfrm>
-            <a:off x="8681924" y="4557072"/>
+            <a:off x="8850972" y="4733804"/>
             <a:ext cx="1805950" cy="369332"/>
           </a:xfrm>
           <a:prstGeom prst="rect">
@@ -33348,14 +34160,14 @@
           <a:lstStyle/>
           <a:p>
             <a:r>
-              <a:rPr lang="ko-KR" altLang="en-US" dirty="0" smtClean="0">
+              <a:rPr lang="ko-KR" altLang="en-US" b="1" dirty="0" smtClean="0">
                 <a:solidFill>
                   <a:schemeClr val="bg1"/>
                 </a:solidFill>
               </a:rPr>
               <a:t>링크 연결</a:t>
             </a:r>
-            <a:endParaRPr lang="en-US" altLang="ko-KR" dirty="0" smtClean="0">
+            <a:endParaRPr lang="en-US" altLang="ko-KR" b="1" dirty="0" smtClean="0">
               <a:solidFill>
                 <a:schemeClr val="bg1"/>
               </a:solidFill>
@@ -34003,7 +34815,7 @@
         </p:blipFill>
         <p:spPr>
           <a:xfrm>
-            <a:off x="871573" y="1300627"/>
+            <a:off x="871573" y="1523463"/>
             <a:ext cx="6494133" cy="4224996"/>
           </a:xfrm>
           <a:prstGeom prst="rect">
@@ -34022,8 +34834,8 @@
         </p:nvCxnSpPr>
         <p:spPr>
           <a:xfrm flipV="1">
-            <a:off x="1380867" y="2704780"/>
-            <a:ext cx="6459152" cy="2442393"/>
+            <a:off x="1380867" y="2773934"/>
+            <a:ext cx="6650978" cy="2596075"/>
           </a:xfrm>
           <a:prstGeom prst="line">
             <a:avLst/>
@@ -34049,44 +34861,6 @@
           </a:fontRef>
         </p:style>
       </p:cxnSp>
-      <p:sp>
-        <p:nvSpPr>
-          <p:cNvPr id="40" name="TextBox 39"/>
-          <p:cNvSpPr txBox="1"/>
-          <p:nvPr/>
-        </p:nvSpPr>
-        <p:spPr>
-          <a:xfrm>
-            <a:off x="8694362" y="3192467"/>
-            <a:ext cx="1805950" cy="369332"/>
-          </a:xfrm>
-          <a:prstGeom prst="rect">
-            <a:avLst/>
-          </a:prstGeom>
-          <a:noFill/>
-        </p:spPr>
-        <p:txBody>
-          <a:bodyPr wrap="square" rtlCol="0">
-            <a:spAutoFit/>
-          </a:bodyPr>
-          <a:lstStyle/>
-          <a:p>
-            <a:r>
-              <a:rPr lang="ko-KR" altLang="en-US" dirty="0" smtClean="0">
-                <a:solidFill>
-                  <a:schemeClr val="bg1"/>
-                </a:solidFill>
-              </a:rPr>
-              <a:t>추첨 화면 연결</a:t>
-            </a:r>
-            <a:endParaRPr lang="en-US" altLang="ko-KR" dirty="0" smtClean="0">
-              <a:solidFill>
-                <a:schemeClr val="bg1"/>
-              </a:solidFill>
-            </a:endParaRPr>
-          </a:p>
-        </p:txBody>
-      </p:sp>
       <p:cxnSp>
         <p:nvCxnSpPr>
           <p:cNvPr id="49" name="직선 연결선 48"/>
@@ -34098,7 +34872,7 @@
         </p:nvCxnSpPr>
         <p:spPr>
           <a:xfrm>
-            <a:off x="6923314" y="3377133"/>
+            <a:off x="6923314" y="3599969"/>
             <a:ext cx="916705" cy="1108919"/>
           </a:xfrm>
           <a:prstGeom prst="line">
@@ -34133,7 +34907,7 @@
         </p:nvSpPr>
         <p:spPr>
           <a:xfrm>
-            <a:off x="4464424" y="2704780"/>
+            <a:off x="4464424" y="2927616"/>
             <a:ext cx="2458890" cy="1344706"/>
           </a:xfrm>
           <a:prstGeom prst="roundRect">
@@ -34178,69 +34952,13 @@
       </p:sp>
       <p:sp>
         <p:nvSpPr>
-          <p:cNvPr id="57" name="TextBox 56"/>
-          <p:cNvSpPr txBox="1"/>
-          <p:nvPr/>
-        </p:nvSpPr>
-        <p:spPr>
-          <a:xfrm>
-            <a:off x="8694363" y="1747108"/>
-            <a:ext cx="1805950" cy="646331"/>
-          </a:xfrm>
-          <a:prstGeom prst="rect">
-            <a:avLst/>
-          </a:prstGeom>
-          <a:noFill/>
-        </p:spPr>
-        <p:txBody>
-          <a:bodyPr wrap="square" rtlCol="0">
-            <a:spAutoFit/>
-          </a:bodyPr>
-          <a:lstStyle/>
-          <a:p>
-            <a:r>
-              <a:rPr lang="ko-KR" altLang="en-US" dirty="0" smtClean="0">
-                <a:solidFill>
-                  <a:schemeClr val="bg1"/>
-                </a:solidFill>
-              </a:rPr>
-              <a:t>이미지</a:t>
-            </a:r>
-            <a:r>
-              <a:rPr lang="en-US" altLang="ko-KR" dirty="0" smtClean="0">
-                <a:solidFill>
-                  <a:schemeClr val="bg1"/>
-                </a:solidFill>
-              </a:rPr>
-              <a:t>(gif),</a:t>
-            </a:r>
-          </a:p>
-          <a:p>
-            <a:r>
-              <a:rPr lang="ko-KR" altLang="en-US" dirty="0" smtClean="0">
-                <a:solidFill>
-                  <a:schemeClr val="bg1"/>
-                </a:solidFill>
-              </a:rPr>
-              <a:t>텍스트 박스</a:t>
-            </a:r>
-            <a:endParaRPr lang="en-US" altLang="ko-KR" dirty="0" smtClean="0">
-              <a:solidFill>
-                <a:schemeClr val="bg1"/>
-              </a:solidFill>
-            </a:endParaRPr>
-          </a:p>
-        </p:txBody>
-      </p:sp>
-      <p:sp>
-        <p:nvSpPr>
           <p:cNvPr id="3" name="모서리가 둥근 직사각형 2"/>
           <p:cNvSpPr/>
           <p:nvPr/>
         </p:nvSpPr>
         <p:spPr>
           <a:xfrm>
-            <a:off x="1099371" y="5019763"/>
+            <a:off x="1099371" y="5242599"/>
             <a:ext cx="281496" cy="254819"/>
           </a:xfrm>
           <a:prstGeom prst="roundRect">
@@ -34305,7 +35023,7 @@
         </p:blipFill>
         <p:spPr>
           <a:xfrm>
-            <a:off x="7840019" y="1720256"/>
+            <a:off x="8031845" y="1789410"/>
             <a:ext cx="3454966" cy="1969047"/>
           </a:xfrm>
           <a:prstGeom prst="rect">
@@ -34335,7 +35053,7 @@
         </p:blipFill>
         <p:spPr>
           <a:xfrm>
-            <a:off x="7840019" y="4098913"/>
+            <a:off x="7840019" y="4321749"/>
             <a:ext cx="3646792" cy="774278"/>
           </a:xfrm>
           <a:prstGeom prst="rect">
